--- a/Po'latov Asadbek 942-20.pptx
+++ b/Po'latov Asadbek 942-20.pptx
@@ -13,9 +13,10 @@
     <p:sldId id="286" r:id="rId7"/>
     <p:sldId id="287" r:id="rId8"/>
     <p:sldId id="288" r:id="rId9"/>
-    <p:sldId id="260" r:id="rId10"/>
-    <p:sldId id="284" r:id="rId11"/>
-    <p:sldId id="289" r:id="rId12"/>
+    <p:sldId id="290" r:id="rId10"/>
+    <p:sldId id="260" r:id="rId11"/>
+    <p:sldId id="284" r:id="rId12"/>
+    <p:sldId id="289" r:id="rId13"/>
   </p:sldIdLst>
   <p:sldSz cx="12192000" cy="6858000"/>
   <p:notesSz cx="6858000" cy="9144000"/>
@@ -348,7 +349,7 @@
           <a:p>
             <a:fld id="{19E3844D-20C0-4AF4-97A4-9CEB014740DB}" type="datetimeFigureOut">
               <a:rPr lang="ru-RU" smtClean="0"/>
-              <a:t>19.01.2023</a:t>
+              <a:t>26.01.2023</a:t>
             </a:fld>
             <a:endParaRPr lang="ru-RU"/>
           </a:p>
@@ -556,7 +557,7 @@
           <a:p>
             <a:fld id="{19E3844D-20C0-4AF4-97A4-9CEB014740DB}" type="datetimeFigureOut">
               <a:rPr lang="ru-RU" smtClean="0"/>
-              <a:t>19.01.2023</a:t>
+              <a:t>26.01.2023</a:t>
             </a:fld>
             <a:endParaRPr lang="ru-RU"/>
           </a:p>
@@ -812,7 +813,7 @@
           <a:p>
             <a:fld id="{19E3844D-20C0-4AF4-97A4-9CEB014740DB}" type="datetimeFigureOut">
               <a:rPr lang="ru-RU" smtClean="0"/>
-              <a:t>19.01.2023</a:t>
+              <a:t>26.01.2023</a:t>
             </a:fld>
             <a:endParaRPr lang="ru-RU"/>
           </a:p>
@@ -986,7 +987,7 @@
           <a:p>
             <a:fld id="{19E3844D-20C0-4AF4-97A4-9CEB014740DB}" type="datetimeFigureOut">
               <a:rPr lang="ru-RU" smtClean="0"/>
-              <a:t>19.01.2023</a:t>
+              <a:t>26.01.2023</a:t>
             </a:fld>
             <a:endParaRPr lang="ru-RU"/>
           </a:p>
@@ -1329,7 +1330,7 @@
           <a:p>
             <a:fld id="{19E3844D-20C0-4AF4-97A4-9CEB014740DB}" type="datetimeFigureOut">
               <a:rPr lang="ru-RU" smtClean="0"/>
-              <a:t>19.01.2023</a:t>
+              <a:t>26.01.2023</a:t>
             </a:fld>
             <a:endParaRPr lang="ru-RU"/>
           </a:p>
@@ -1604,7 +1605,7 @@
           <a:p>
             <a:fld id="{19E3844D-20C0-4AF4-97A4-9CEB014740DB}" type="datetimeFigureOut">
               <a:rPr lang="ru-RU" smtClean="0"/>
-              <a:t>19.01.2023</a:t>
+              <a:t>26.01.2023</a:t>
             </a:fld>
             <a:endParaRPr lang="ru-RU"/>
           </a:p>
@@ -1983,7 +1984,7 @@
           <a:p>
             <a:fld id="{19E3844D-20C0-4AF4-97A4-9CEB014740DB}" type="datetimeFigureOut">
               <a:rPr lang="ru-RU" smtClean="0"/>
-              <a:t>19.01.2023</a:t>
+              <a:t>26.01.2023</a:t>
             </a:fld>
             <a:endParaRPr lang="ru-RU"/>
           </a:p>
@@ -2101,7 +2102,7 @@
           <a:p>
             <a:fld id="{19E3844D-20C0-4AF4-97A4-9CEB014740DB}" type="datetimeFigureOut">
               <a:rPr lang="ru-RU" smtClean="0"/>
-              <a:t>19.01.2023</a:t>
+              <a:t>26.01.2023</a:t>
             </a:fld>
             <a:endParaRPr lang="ru-RU"/>
           </a:p>
@@ -2272,7 +2273,7 @@
           <a:p>
             <a:fld id="{19E3844D-20C0-4AF4-97A4-9CEB014740DB}" type="datetimeFigureOut">
               <a:rPr lang="ru-RU" smtClean="0"/>
-              <a:t>19.01.2023</a:t>
+              <a:t>26.01.2023</a:t>
             </a:fld>
             <a:endParaRPr lang="ru-RU"/>
           </a:p>
@@ -2626,7 +2627,7 @@
           <a:p>
             <a:fld id="{19E3844D-20C0-4AF4-97A4-9CEB014740DB}" type="datetimeFigureOut">
               <a:rPr lang="ru-RU" smtClean="0"/>
-              <a:t>19.01.2023</a:t>
+              <a:t>26.01.2023</a:t>
             </a:fld>
             <a:endParaRPr lang="ru-RU"/>
           </a:p>
@@ -3008,7 +3009,7 @@
           <a:p>
             <a:fld id="{19E3844D-20C0-4AF4-97A4-9CEB014740DB}" type="datetimeFigureOut">
               <a:rPr lang="ru-RU" smtClean="0"/>
-              <a:t>19.01.2023</a:t>
+              <a:t>26.01.2023</a:t>
             </a:fld>
             <a:endParaRPr lang="ru-RU"/>
           </a:p>
@@ -3295,7 +3296,7 @@
           <a:p>
             <a:fld id="{19E3844D-20C0-4AF4-97A4-9CEB014740DB}" type="datetimeFigureOut">
               <a:rPr lang="ru-RU" smtClean="0"/>
-              <a:t>19.01.2023</a:t>
+              <a:t>26.01.2023</a:t>
             </a:fld>
             <a:endParaRPr lang="ru-RU"/>
           </a:p>
@@ -4180,125 +4181,912 @@
       </p:grpSpPr>
       <p:sp>
         <p:nvSpPr>
-          <p:cNvPr id="2" name="Заголовок 1"/>
-          <p:cNvSpPr>
-            <a:spLocks noGrp="1"/>
-          </p:cNvSpPr>
-          <p:nvPr>
-            <p:ph type="title"/>
-          </p:nvPr>
+          <p:cNvPr id="2" name="Прямоугольник 1"/>
+          <p:cNvSpPr/>
+          <p:nvPr/>
         </p:nvSpPr>
         <p:spPr>
           <a:xfrm>
-            <a:off x="1195781" y="1875453"/>
-            <a:ext cx="9211235" cy="2883160"/>
+            <a:off x="1162820" y="1199234"/>
+            <a:ext cx="9390743" cy="3785652"/>
           </a:xfrm>
+          <a:prstGeom prst="rect">
+            <a:avLst/>
+          </a:prstGeom>
         </p:spPr>
         <p:txBody>
-          <a:bodyPr>
-            <a:noAutofit/>
+          <a:bodyPr wrap="square">
+            <a:spAutoFit/>
           </a:bodyPr>
           <a:lstStyle/>
           <a:p>
             <a:pPr>
               <a:lnSpc>
-                <a:spcPct val="200000"/>
+                <a:spcPct val="150000"/>
               </a:lnSpc>
             </a:pPr>
             <a:r>
-              <a:rPr lang="uz-Latn-UZ" sz="2000" b="1" dirty="0" smtClean="0">
-                <a:latin typeface="+mn-lt"/>
-              </a:rPr>
-              <a:t>Foydalanilgan </a:t>
-            </a:r>
-            <a:r>
-              <a:rPr lang="en-US" sz="2000" b="1" dirty="0" err="1" smtClean="0">
-                <a:latin typeface="+mn-lt"/>
-              </a:rPr>
-              <a:t>i</a:t>
-            </a:r>
-            <a:r>
-              <a:rPr lang="uz-Latn-UZ" sz="2000" b="1" dirty="0" smtClean="0">
-                <a:latin typeface="+mn-lt"/>
-              </a:rPr>
-              <a:t>nternet resurslari</a:t>
-            </a:r>
+              <a:rPr lang="en-US" sz="2000" b="1" dirty="0" smtClean="0">
+                <a:ea typeface="Arial Unicode MS" panose="020B0604020202020204" pitchFamily="34" charset="-128"/>
+                <a:cs typeface="Arial Unicode MS" panose="020B0604020202020204" pitchFamily="34" charset="-128"/>
+              </a:rPr>
+              <a:t>                                                                 </a:t>
+            </a:r>
+            <a:r>
+              <a:rPr lang="uz-Cyrl-UZ" sz="2000" b="1" dirty="0" smtClean="0">
+                <a:ea typeface="Arial Unicode MS" panose="020B0604020202020204" pitchFamily="34" charset="-128"/>
+                <a:cs typeface="Arial Unicode MS" panose="020B0604020202020204" pitchFamily="34" charset="-128"/>
+              </a:rPr>
+              <a:t>Xulosa</a:t>
+            </a:r>
+            <a:r>
+              <a:rPr lang="uz-Cyrl-UZ" sz="2000" b="1" dirty="0">
+                <a:ea typeface="Arial Unicode MS" panose="020B0604020202020204" pitchFamily="34" charset="-128"/>
+                <a:cs typeface="Arial Unicode MS" panose="020B0604020202020204" pitchFamily="34" charset="-128"/>
+              </a:rPr>
+              <a:t>.</a:t>
+            </a:r>
+            <a:endParaRPr lang="ru-RU" sz="2000" b="1" dirty="0">
+              <a:ea typeface="Arial Unicode MS" panose="020B0604020202020204" pitchFamily="34" charset="-128"/>
+              <a:cs typeface="Arial Unicode MS" panose="020B0604020202020204" pitchFamily="34" charset="-128"/>
+            </a:endParaRPr>
+          </a:p>
+          <a:p>
+            <a:pPr algn="just">
+              <a:lnSpc>
+                <a:spcPct val="150000"/>
+              </a:lnSpc>
+            </a:pPr>
             <a:r>
               <a:rPr lang="en-US" sz="2000" dirty="0" smtClean="0">
-                <a:latin typeface="+mn-lt"/>
-              </a:rPr>
-              <a:t/>
-            </a:r>
-            <a:br>
+                <a:ea typeface="Arial Unicode MS" panose="020B0604020202020204" pitchFamily="34" charset="-128"/>
+                <a:cs typeface="Arial Unicode MS" panose="020B0604020202020204" pitchFamily="34" charset="-128"/>
+              </a:rPr>
+              <a:t>	</a:t>
+            </a:r>
+            <a:r>
+              <a:rPr lang="uz-Cyrl-UZ" sz="2000" dirty="0" smtClean="0">
+                <a:ea typeface="Arial Unicode MS" panose="020B0604020202020204" pitchFamily="34" charset="-128"/>
+                <a:cs typeface="Arial Unicode MS" panose="020B0604020202020204" pitchFamily="34" charset="-128"/>
+              </a:rPr>
+              <a:t>Hozirda</a:t>
+            </a:r>
+            <a:r>
               <a:rPr lang="en-US" sz="2000" dirty="0" smtClean="0">
-                <a:latin typeface="+mn-lt"/>
-              </a:rPr>
-            </a:br>
+                <a:ea typeface="Arial Unicode MS" panose="020B0604020202020204" pitchFamily="34" charset="-128"/>
+                <a:cs typeface="Arial Unicode MS" panose="020B0604020202020204" pitchFamily="34" charset="-128"/>
+              </a:rPr>
+              <a:t> </a:t>
+            </a:r>
+            <a:r>
+              <a:rPr lang="en-US" sz="2000" dirty="0" err="1" smtClean="0">
+                <a:ea typeface="Arial Unicode MS" panose="020B0604020202020204" pitchFamily="34" charset="-128"/>
+                <a:cs typeface="Arial Unicode MS" panose="020B0604020202020204" pitchFamily="34" charset="-128"/>
+              </a:rPr>
+              <a:t>tizim</a:t>
+            </a:r>
             <a:r>
               <a:rPr lang="en-US" sz="2000" dirty="0" smtClean="0">
-                <a:latin typeface="+mn-lt"/>
-              </a:rPr>
-              <a:t>1. https:://www.php.net/</a:t>
-            </a:r>
-            <a:br>
+                <a:ea typeface="Arial Unicode MS" panose="020B0604020202020204" pitchFamily="34" charset="-128"/>
+                <a:cs typeface="Arial Unicode MS" panose="020B0604020202020204" pitchFamily="34" charset="-128"/>
+              </a:rPr>
+              <a:t> </a:t>
+            </a:r>
+            <a:r>
+              <a:rPr lang="en-US" sz="2000" dirty="0" err="1" smtClean="0">
+                <a:ea typeface="Arial Unicode MS" panose="020B0604020202020204" pitchFamily="34" charset="-128"/>
+                <a:cs typeface="Arial Unicode MS" panose="020B0604020202020204" pitchFamily="34" charset="-128"/>
+              </a:rPr>
+              <a:t>xavfsizligi</a:t>
+            </a:r>
+            <a:r>
               <a:rPr lang="en-US" sz="2000" dirty="0" smtClean="0">
-                <a:latin typeface="+mn-lt"/>
-              </a:rPr>
-            </a:br>
+                <a:ea typeface="Arial Unicode MS" panose="020B0604020202020204" pitchFamily="34" charset="-128"/>
+                <a:cs typeface="Arial Unicode MS" panose="020B0604020202020204" pitchFamily="34" charset="-128"/>
+              </a:rPr>
+              <a:t> </a:t>
+            </a:r>
+            <a:r>
+              <a:rPr lang="en-US" sz="2000" dirty="0" err="1" smtClean="0">
+                <a:ea typeface="Arial Unicode MS" panose="020B0604020202020204" pitchFamily="34" charset="-128"/>
+                <a:cs typeface="Arial Unicode MS" panose="020B0604020202020204" pitchFamily="34" charset="-128"/>
+              </a:rPr>
+              <a:t>juda</a:t>
+            </a:r>
             <a:r>
               <a:rPr lang="en-US" sz="2000" dirty="0" smtClean="0">
-                <a:latin typeface="+mn-lt"/>
-              </a:rPr>
-              <a:t>2. https:://www.laravel.com/</a:t>
+                <a:ea typeface="Arial Unicode MS" panose="020B0604020202020204" pitchFamily="34" charset="-128"/>
+                <a:cs typeface="Arial Unicode MS" panose="020B0604020202020204" pitchFamily="34" charset="-128"/>
+              </a:rPr>
+              <a:t> </a:t>
+            </a:r>
+            <a:r>
+              <a:rPr lang="en-US" sz="2000" dirty="0" err="1" smtClean="0">
+                <a:ea typeface="Arial Unicode MS" panose="020B0604020202020204" pitchFamily="34" charset="-128"/>
+                <a:cs typeface="Arial Unicode MS" panose="020B0604020202020204" pitchFamily="34" charset="-128"/>
+              </a:rPr>
+              <a:t>muhim</a:t>
+            </a:r>
+            <a:r>
+              <a:rPr lang="en-US" sz="2000" dirty="0" smtClean="0">
+                <a:ea typeface="Arial Unicode MS" panose="020B0604020202020204" pitchFamily="34" charset="-128"/>
+                <a:cs typeface="Arial Unicode MS" panose="020B0604020202020204" pitchFamily="34" charset="-128"/>
+              </a:rPr>
+              <a:t>. </a:t>
+            </a:r>
+            <a:r>
+              <a:rPr lang="en-US" sz="2000" dirty="0" err="1" smtClean="0">
+                <a:ea typeface="Arial Unicode MS" panose="020B0604020202020204" pitchFamily="34" charset="-128"/>
+                <a:cs typeface="Arial Unicode MS" panose="020B0604020202020204" pitchFamily="34" charset="-128"/>
+              </a:rPr>
+              <a:t>Ilovadan</a:t>
+            </a:r>
+            <a:r>
+              <a:rPr lang="en-US" sz="2000" dirty="0" smtClean="0">
+                <a:ea typeface="Arial Unicode MS" panose="020B0604020202020204" pitchFamily="34" charset="-128"/>
+                <a:cs typeface="Arial Unicode MS" panose="020B0604020202020204" pitchFamily="34" charset="-128"/>
+              </a:rPr>
+              <a:t> </a:t>
+            </a:r>
+            <a:r>
+              <a:rPr lang="en-US" sz="2000" dirty="0" err="1" smtClean="0">
+                <a:ea typeface="Arial Unicode MS" panose="020B0604020202020204" pitchFamily="34" charset="-128"/>
+                <a:cs typeface="Arial Unicode MS" panose="020B0604020202020204" pitchFamily="34" charset="-128"/>
+              </a:rPr>
+              <a:t>hamma</a:t>
+            </a:r>
+            <a:r>
+              <a:rPr lang="en-US" sz="2000" dirty="0" smtClean="0">
+                <a:ea typeface="Arial Unicode MS" panose="020B0604020202020204" pitchFamily="34" charset="-128"/>
+                <a:cs typeface="Arial Unicode MS" panose="020B0604020202020204" pitchFamily="34" charset="-128"/>
+              </a:rPr>
+              <a:t> </a:t>
+            </a:r>
+            <a:r>
+              <a:rPr lang="en-US" sz="2000" dirty="0" err="1" smtClean="0">
+                <a:ea typeface="Arial Unicode MS" panose="020B0604020202020204" pitchFamily="34" charset="-128"/>
+                <a:cs typeface="Arial Unicode MS" panose="020B0604020202020204" pitchFamily="34" charset="-128"/>
+              </a:rPr>
+              <a:t>foydalanaversa</a:t>
+            </a:r>
+            <a:r>
+              <a:rPr lang="en-US" sz="2000" dirty="0" smtClean="0">
+                <a:ea typeface="Arial Unicode MS" panose="020B0604020202020204" pitchFamily="34" charset="-128"/>
+                <a:cs typeface="Arial Unicode MS" panose="020B0604020202020204" pitchFamily="34" charset="-128"/>
+              </a:rPr>
+              <a:t>, </a:t>
+            </a:r>
+            <a:r>
+              <a:rPr lang="en-US" sz="2000" dirty="0" err="1" smtClean="0">
+                <a:ea typeface="Arial Unicode MS" panose="020B0604020202020204" pitchFamily="34" charset="-128"/>
+                <a:cs typeface="Arial Unicode MS" panose="020B0604020202020204" pitchFamily="34" charset="-128"/>
+              </a:rPr>
+              <a:t>bu</a:t>
+            </a:r>
+            <a:r>
+              <a:rPr lang="en-US" sz="2000" dirty="0" smtClean="0">
+                <a:ea typeface="Arial Unicode MS" panose="020B0604020202020204" pitchFamily="34" charset="-128"/>
+                <a:cs typeface="Arial Unicode MS" panose="020B0604020202020204" pitchFamily="34" charset="-128"/>
+              </a:rPr>
+              <a:t> </a:t>
+            </a:r>
+            <a:r>
+              <a:rPr lang="en-US" sz="2000" dirty="0" err="1" smtClean="0">
+                <a:ea typeface="Arial Unicode MS" panose="020B0604020202020204" pitchFamily="34" charset="-128"/>
+                <a:cs typeface="Arial Unicode MS" panose="020B0604020202020204" pitchFamily="34" charset="-128"/>
+              </a:rPr>
+              <a:t>tizim</a:t>
+            </a:r>
+            <a:r>
+              <a:rPr lang="en-US" sz="2000" dirty="0" smtClean="0">
+                <a:ea typeface="Arial Unicode MS" panose="020B0604020202020204" pitchFamily="34" charset="-128"/>
+                <a:cs typeface="Arial Unicode MS" panose="020B0604020202020204" pitchFamily="34" charset="-128"/>
+              </a:rPr>
+              <a:t> </a:t>
+            </a:r>
+            <a:r>
+              <a:rPr lang="en-US" sz="2000" dirty="0" err="1" smtClean="0">
+                <a:ea typeface="Arial Unicode MS" panose="020B0604020202020204" pitchFamily="34" charset="-128"/>
+                <a:cs typeface="Arial Unicode MS" panose="020B0604020202020204" pitchFamily="34" charset="-128"/>
+              </a:rPr>
+              <a:t>xavfsiz</a:t>
+            </a:r>
+            <a:r>
+              <a:rPr lang="en-US" sz="2000" dirty="0" smtClean="0">
+                <a:ea typeface="Arial Unicode MS" panose="020B0604020202020204" pitchFamily="34" charset="-128"/>
+                <a:cs typeface="Arial Unicode MS" panose="020B0604020202020204" pitchFamily="34" charset="-128"/>
+              </a:rPr>
+              <a:t> </a:t>
+            </a:r>
+            <a:r>
+              <a:rPr lang="en-US" sz="2000" dirty="0" err="1" smtClean="0">
+                <a:ea typeface="Arial Unicode MS" panose="020B0604020202020204" pitchFamily="34" charset="-128"/>
+                <a:cs typeface="Arial Unicode MS" panose="020B0604020202020204" pitchFamily="34" charset="-128"/>
+              </a:rPr>
+              <a:t>emas</a:t>
+            </a:r>
+            <a:r>
+              <a:rPr lang="en-US" sz="2000" dirty="0" smtClean="0">
+                <a:ea typeface="Arial Unicode MS" panose="020B0604020202020204" pitchFamily="34" charset="-128"/>
+                <a:cs typeface="Arial Unicode MS" panose="020B0604020202020204" pitchFamily="34" charset="-128"/>
+              </a:rPr>
+              <a:t>. </a:t>
+            </a:r>
+            <a:r>
+              <a:rPr lang="en-US" sz="2000" dirty="0" err="1" smtClean="0">
+                <a:ea typeface="Arial Unicode MS" panose="020B0604020202020204" pitchFamily="34" charset="-128"/>
+                <a:cs typeface="Arial Unicode MS" panose="020B0604020202020204" pitchFamily="34" charset="-128"/>
+              </a:rPr>
+              <a:t>Tizimni</a:t>
+            </a:r>
+            <a:r>
+              <a:rPr lang="en-US" sz="2000" dirty="0" smtClean="0">
+                <a:ea typeface="Arial Unicode MS" panose="020B0604020202020204" pitchFamily="34" charset="-128"/>
+                <a:cs typeface="Arial Unicode MS" panose="020B0604020202020204" pitchFamily="34" charset="-128"/>
+              </a:rPr>
+              <a:t> </a:t>
+            </a:r>
+            <a:r>
+              <a:rPr lang="en-US" sz="2000" dirty="0" err="1" smtClean="0">
+                <a:ea typeface="Arial Unicode MS" panose="020B0604020202020204" pitchFamily="34" charset="-128"/>
+                <a:cs typeface="Arial Unicode MS" panose="020B0604020202020204" pitchFamily="34" charset="-128"/>
+              </a:rPr>
+              <a:t>xavfsiz</a:t>
+            </a:r>
+            <a:r>
+              <a:rPr lang="en-US" sz="2000" dirty="0" smtClean="0">
+                <a:ea typeface="Arial Unicode MS" panose="020B0604020202020204" pitchFamily="34" charset="-128"/>
+                <a:cs typeface="Arial Unicode MS" panose="020B0604020202020204" pitchFamily="34" charset="-128"/>
+              </a:rPr>
+              <a:t> </a:t>
+            </a:r>
+            <a:r>
+              <a:rPr lang="en-US" sz="2000" dirty="0" err="1" smtClean="0">
+                <a:ea typeface="Arial Unicode MS" panose="020B0604020202020204" pitchFamily="34" charset="-128"/>
+                <a:cs typeface="Arial Unicode MS" panose="020B0604020202020204" pitchFamily="34" charset="-128"/>
+              </a:rPr>
+              <a:t>qilish</a:t>
+            </a:r>
+            <a:r>
+              <a:rPr lang="en-US" sz="2000" dirty="0" smtClean="0">
+                <a:ea typeface="Arial Unicode MS" panose="020B0604020202020204" pitchFamily="34" charset="-128"/>
+                <a:cs typeface="Arial Unicode MS" panose="020B0604020202020204" pitchFamily="34" charset="-128"/>
+              </a:rPr>
+              <a:t> </a:t>
+            </a:r>
+            <a:r>
+              <a:rPr lang="en-US" sz="2000" dirty="0" err="1" smtClean="0">
+                <a:ea typeface="Arial Unicode MS" panose="020B0604020202020204" pitchFamily="34" charset="-128"/>
+                <a:cs typeface="Arial Unicode MS" panose="020B0604020202020204" pitchFamily="34" charset="-128"/>
+              </a:rPr>
+              <a:t>uchun</a:t>
+            </a:r>
+            <a:r>
+              <a:rPr lang="en-US" sz="2000" dirty="0" smtClean="0">
+                <a:ea typeface="Arial Unicode MS" panose="020B0604020202020204" pitchFamily="34" charset="-128"/>
+                <a:cs typeface="Arial Unicode MS" panose="020B0604020202020204" pitchFamily="34" charset="-128"/>
+              </a:rPr>
+              <a:t> 2 </a:t>
+            </a:r>
+            <a:r>
+              <a:rPr lang="en-US" sz="2000" dirty="0" err="1" smtClean="0">
+                <a:ea typeface="Arial Unicode MS" panose="020B0604020202020204" pitchFamily="34" charset="-128"/>
+                <a:cs typeface="Arial Unicode MS" panose="020B0604020202020204" pitchFamily="34" charset="-128"/>
+              </a:rPr>
+              <a:t>faktorli</a:t>
+            </a:r>
+            <a:r>
+              <a:rPr lang="en-US" sz="2000" dirty="0" smtClean="0">
+                <a:ea typeface="Arial Unicode MS" panose="020B0604020202020204" pitchFamily="34" charset="-128"/>
+                <a:cs typeface="Arial Unicode MS" panose="020B0604020202020204" pitchFamily="34" charset="-128"/>
+              </a:rPr>
+              <a:t> </a:t>
+            </a:r>
+            <a:r>
+              <a:rPr lang="en-US" sz="2000" dirty="0" err="1" smtClean="0">
+                <a:ea typeface="Arial Unicode MS" panose="020B0604020202020204" pitchFamily="34" charset="-128"/>
+                <a:cs typeface="Arial Unicode MS" panose="020B0604020202020204" pitchFamily="34" charset="-128"/>
+              </a:rPr>
+              <a:t>avtorizatsiyani</a:t>
+            </a:r>
+            <a:r>
+              <a:rPr lang="en-US" sz="2000" dirty="0" smtClean="0">
+                <a:ea typeface="Arial Unicode MS" panose="020B0604020202020204" pitchFamily="34" charset="-128"/>
+                <a:cs typeface="Arial Unicode MS" panose="020B0604020202020204" pitchFamily="34" charset="-128"/>
+              </a:rPr>
+              <a:t> </a:t>
+            </a:r>
+            <a:r>
+              <a:rPr lang="en-US" sz="2000" dirty="0" err="1" smtClean="0">
+                <a:ea typeface="Arial Unicode MS" panose="020B0604020202020204" pitchFamily="34" charset="-128"/>
+                <a:cs typeface="Arial Unicode MS" panose="020B0604020202020204" pitchFamily="34" charset="-128"/>
+              </a:rPr>
+              <a:t>qo‘llashni</a:t>
+            </a:r>
+            <a:r>
+              <a:rPr lang="en-US" sz="2000" dirty="0" smtClean="0">
+                <a:ea typeface="Arial Unicode MS" panose="020B0604020202020204" pitchFamily="34" charset="-128"/>
+                <a:cs typeface="Arial Unicode MS" panose="020B0604020202020204" pitchFamily="34" charset="-128"/>
+              </a:rPr>
+              <a:t> </a:t>
+            </a:r>
+            <a:r>
+              <a:rPr lang="en-US" sz="2000" dirty="0" err="1" smtClean="0">
+                <a:ea typeface="Arial Unicode MS" panose="020B0604020202020204" pitchFamily="34" charset="-128"/>
+                <a:cs typeface="Arial Unicode MS" panose="020B0604020202020204" pitchFamily="34" charset="-128"/>
+              </a:rPr>
+              <a:t>bilishimiz</a:t>
+            </a:r>
+            <a:r>
+              <a:rPr lang="en-US" sz="2000" dirty="0" smtClean="0">
+                <a:ea typeface="Arial Unicode MS" panose="020B0604020202020204" pitchFamily="34" charset="-128"/>
+                <a:cs typeface="Arial Unicode MS" panose="020B0604020202020204" pitchFamily="34" charset="-128"/>
+              </a:rPr>
+              <a:t>  </a:t>
+            </a:r>
+            <a:r>
+              <a:rPr lang="en-US" sz="2000" dirty="0" err="1" smtClean="0">
+                <a:ea typeface="Arial Unicode MS" panose="020B0604020202020204" pitchFamily="34" charset="-128"/>
+                <a:cs typeface="Arial Unicode MS" panose="020B0604020202020204" pitchFamily="34" charset="-128"/>
+              </a:rPr>
+              <a:t>lozim</a:t>
+            </a:r>
+            <a:r>
+              <a:rPr lang="en-US" sz="2000" dirty="0" smtClean="0">
+                <a:ea typeface="Arial Unicode MS" panose="020B0604020202020204" pitchFamily="34" charset="-128"/>
+                <a:cs typeface="Arial Unicode MS" panose="020B0604020202020204" pitchFamily="34" charset="-128"/>
+              </a:rPr>
+              <a:t>. Biz </a:t>
+            </a:r>
+            <a:r>
+              <a:rPr lang="en-US" sz="2000" dirty="0" err="1" smtClean="0">
+                <a:ea typeface="Arial Unicode MS" panose="020B0604020202020204" pitchFamily="34" charset="-128"/>
+                <a:cs typeface="Arial Unicode MS" panose="020B0604020202020204" pitchFamily="34" charset="-128"/>
+              </a:rPr>
+              <a:t>tizimni</a:t>
+            </a:r>
+            <a:r>
+              <a:rPr lang="en-US" sz="2000" dirty="0" smtClean="0">
+                <a:ea typeface="Arial Unicode MS" panose="020B0604020202020204" pitchFamily="34" charset="-128"/>
+                <a:cs typeface="Arial Unicode MS" panose="020B0604020202020204" pitchFamily="34" charset="-128"/>
+              </a:rPr>
+              <a:t> </a:t>
+            </a:r>
+            <a:r>
+              <a:rPr lang="en-US" sz="2000" dirty="0" err="1" smtClean="0">
+                <a:ea typeface="Arial Unicode MS" panose="020B0604020202020204" pitchFamily="34" charset="-128"/>
+                <a:cs typeface="Arial Unicode MS" panose="020B0604020202020204" pitchFamily="34" charset="-128"/>
+              </a:rPr>
+              <a:t>xavfsiz</a:t>
+            </a:r>
+            <a:r>
+              <a:rPr lang="en-US" sz="2000" dirty="0" smtClean="0">
+                <a:ea typeface="Arial Unicode MS" panose="020B0604020202020204" pitchFamily="34" charset="-128"/>
+                <a:cs typeface="Arial Unicode MS" panose="020B0604020202020204" pitchFamily="34" charset="-128"/>
+              </a:rPr>
+              <a:t> </a:t>
+            </a:r>
+            <a:r>
+              <a:rPr lang="en-US" sz="2000" dirty="0" err="1" smtClean="0">
+                <a:ea typeface="Arial Unicode MS" panose="020B0604020202020204" pitchFamily="34" charset="-128"/>
+                <a:cs typeface="Arial Unicode MS" panose="020B0604020202020204" pitchFamily="34" charset="-128"/>
+              </a:rPr>
+              <a:t>qilsak</a:t>
+            </a:r>
+            <a:r>
+              <a:rPr lang="en-US" sz="2000" dirty="0" smtClean="0">
+                <a:ea typeface="Arial Unicode MS" panose="020B0604020202020204" pitchFamily="34" charset="-128"/>
+                <a:cs typeface="Arial Unicode MS" panose="020B0604020202020204" pitchFamily="34" charset="-128"/>
+              </a:rPr>
+              <a:t>, </a:t>
+            </a:r>
+            <a:r>
+              <a:rPr lang="en-US" sz="2000" dirty="0" err="1" smtClean="0">
+                <a:ea typeface="Arial Unicode MS" panose="020B0604020202020204" pitchFamily="34" charset="-128"/>
+                <a:cs typeface="Arial Unicode MS" panose="020B0604020202020204" pitchFamily="34" charset="-128"/>
+              </a:rPr>
+              <a:t>ilovada</a:t>
+            </a:r>
+            <a:r>
+              <a:rPr lang="en-US" sz="2000" dirty="0" smtClean="0">
+                <a:ea typeface="Arial Unicode MS" panose="020B0604020202020204" pitchFamily="34" charset="-128"/>
+                <a:cs typeface="Arial Unicode MS" panose="020B0604020202020204" pitchFamily="34" charset="-128"/>
+              </a:rPr>
+              <a:t> </a:t>
+            </a:r>
+            <a:r>
+              <a:rPr lang="en-US" sz="2000" dirty="0" err="1" smtClean="0">
+                <a:ea typeface="Arial Unicode MS" panose="020B0604020202020204" pitchFamily="34" charset="-128"/>
+                <a:cs typeface="Arial Unicode MS" panose="020B0604020202020204" pitchFamily="34" charset="-128"/>
+              </a:rPr>
+              <a:t>qalbaki</a:t>
+            </a:r>
+            <a:r>
+              <a:rPr lang="en-US" sz="2000" dirty="0" smtClean="0">
+                <a:ea typeface="Arial Unicode MS" panose="020B0604020202020204" pitchFamily="34" charset="-128"/>
+                <a:cs typeface="Arial Unicode MS" panose="020B0604020202020204" pitchFamily="34" charset="-128"/>
+              </a:rPr>
+              <a:t> </a:t>
+            </a:r>
+            <a:r>
+              <a:rPr lang="en-US" sz="2000" dirty="0" err="1" smtClean="0">
+                <a:ea typeface="Arial Unicode MS" panose="020B0604020202020204" pitchFamily="34" charset="-128"/>
+                <a:cs typeface="Arial Unicode MS" panose="020B0604020202020204" pitchFamily="34" charset="-128"/>
+              </a:rPr>
+              <a:t>foydalanuvchilar</a:t>
+            </a:r>
+            <a:r>
+              <a:rPr lang="en-US" sz="2000" dirty="0" smtClean="0">
+                <a:ea typeface="Arial Unicode MS" panose="020B0604020202020204" pitchFamily="34" charset="-128"/>
+                <a:cs typeface="Arial Unicode MS" panose="020B0604020202020204" pitchFamily="34" charset="-128"/>
+              </a:rPr>
+              <a:t>  </a:t>
+            </a:r>
+            <a:r>
+              <a:rPr lang="en-US" sz="2000" dirty="0" err="1" smtClean="0">
+                <a:ea typeface="Arial Unicode MS" panose="020B0604020202020204" pitchFamily="34" charset="-128"/>
+                <a:cs typeface="Arial Unicode MS" panose="020B0604020202020204" pitchFamily="34" charset="-128"/>
+              </a:rPr>
+              <a:t>bo‘lmasligi</a:t>
+            </a:r>
+            <a:r>
+              <a:rPr lang="en-US" sz="2000" dirty="0" smtClean="0">
+                <a:ea typeface="Arial Unicode MS" panose="020B0604020202020204" pitchFamily="34" charset="-128"/>
+                <a:cs typeface="Arial Unicode MS" panose="020B0604020202020204" pitchFamily="34" charset="-128"/>
+              </a:rPr>
+              <a:t>, </a:t>
+            </a:r>
+            <a:r>
+              <a:rPr lang="en-US" sz="2000" dirty="0" err="1" smtClean="0">
+                <a:ea typeface="Arial Unicode MS" panose="020B0604020202020204" pitchFamily="34" charset="-128"/>
+                <a:cs typeface="Arial Unicode MS" panose="020B0604020202020204" pitchFamily="34" charset="-128"/>
+              </a:rPr>
+              <a:t>foydalanuvchi</a:t>
+            </a:r>
+            <a:r>
+              <a:rPr lang="en-US" sz="2000" dirty="0" smtClean="0">
+                <a:ea typeface="Arial Unicode MS" panose="020B0604020202020204" pitchFamily="34" charset="-128"/>
+                <a:cs typeface="Arial Unicode MS" panose="020B0604020202020204" pitchFamily="34" charset="-128"/>
+              </a:rPr>
+              <a:t> </a:t>
+            </a:r>
+            <a:r>
+              <a:rPr lang="en-US" sz="2000" dirty="0" err="1" smtClean="0">
+                <a:ea typeface="Arial Unicode MS" panose="020B0604020202020204" pitchFamily="34" charset="-128"/>
+                <a:cs typeface="Arial Unicode MS" panose="020B0604020202020204" pitchFamily="34" charset="-128"/>
+              </a:rPr>
+              <a:t>uchun</a:t>
+            </a:r>
+            <a:r>
+              <a:rPr lang="en-US" sz="2000" dirty="0" smtClean="0">
+                <a:ea typeface="Arial Unicode MS" panose="020B0604020202020204" pitchFamily="34" charset="-128"/>
+                <a:cs typeface="Arial Unicode MS" panose="020B0604020202020204" pitchFamily="34" charset="-128"/>
+              </a:rPr>
+              <a:t> </a:t>
+            </a:r>
+            <a:r>
+              <a:rPr lang="en-US" sz="2000" dirty="0" err="1" smtClean="0">
+                <a:ea typeface="Arial Unicode MS" panose="020B0604020202020204" pitchFamily="34" charset="-128"/>
+                <a:cs typeface="Arial Unicode MS" panose="020B0604020202020204" pitchFamily="34" charset="-128"/>
+              </a:rPr>
+              <a:t>tizim</a:t>
+            </a:r>
+            <a:r>
+              <a:rPr lang="en-US" sz="2000" dirty="0" smtClean="0">
+                <a:ea typeface="Arial Unicode MS" panose="020B0604020202020204" pitchFamily="34" charset="-128"/>
+                <a:cs typeface="Arial Unicode MS" panose="020B0604020202020204" pitchFamily="34" charset="-128"/>
+              </a:rPr>
+              <a:t> </a:t>
+            </a:r>
+            <a:r>
+              <a:rPr lang="en-US" sz="2000" dirty="0" err="1" smtClean="0">
+                <a:ea typeface="Arial Unicode MS" panose="020B0604020202020204" pitchFamily="34" charset="-128"/>
+                <a:cs typeface="Arial Unicode MS" panose="020B0604020202020204" pitchFamily="34" charset="-128"/>
+              </a:rPr>
+              <a:t>xavfsizligi</a:t>
             </a:r>
             <a:r>
               <a:rPr lang="en-US" sz="2000" dirty="0">
-                <a:latin typeface="+mn-lt"/>
-              </a:rPr>
-              <a:t/>
-            </a:r>
-            <a:br>
+                <a:ea typeface="Arial Unicode MS" panose="020B0604020202020204" pitchFamily="34" charset="-128"/>
+                <a:cs typeface="Arial Unicode MS" panose="020B0604020202020204" pitchFamily="34" charset="-128"/>
+              </a:rPr>
+              <a:t> </a:t>
+            </a:r>
+            <a:r>
+              <a:rPr lang="en-US" sz="2000" dirty="0" err="1" smtClean="0">
+                <a:ea typeface="Arial Unicode MS" panose="020B0604020202020204" pitchFamily="34" charset="-128"/>
+                <a:cs typeface="Arial Unicode MS" panose="020B0604020202020204" pitchFamily="34" charset="-128"/>
+              </a:rPr>
+              <a:t>erishamiz</a:t>
+            </a:r>
+            <a:r>
+              <a:rPr lang="en-US" sz="2000" dirty="0" smtClean="0">
+                <a:ea typeface="Arial Unicode MS" panose="020B0604020202020204" pitchFamily="34" charset="-128"/>
+                <a:cs typeface="Arial Unicode MS" panose="020B0604020202020204" pitchFamily="34" charset="-128"/>
+              </a:rPr>
+              <a:t>. </a:t>
+            </a:r>
+            <a:r>
+              <a:rPr lang="en-US" sz="2000" dirty="0" err="1" smtClean="0">
+                <a:ea typeface="Arial Unicode MS" panose="020B0604020202020204" pitchFamily="34" charset="-128"/>
+                <a:cs typeface="Arial Unicode MS" panose="020B0604020202020204" pitchFamily="34" charset="-128"/>
+              </a:rPr>
+              <a:t>Bundan</a:t>
+            </a:r>
+            <a:r>
+              <a:rPr lang="en-US" sz="2000" dirty="0" smtClean="0">
+                <a:ea typeface="Arial Unicode MS" panose="020B0604020202020204" pitchFamily="34" charset="-128"/>
+                <a:cs typeface="Arial Unicode MS" panose="020B0604020202020204" pitchFamily="34" charset="-128"/>
+              </a:rPr>
+              <a:t> </a:t>
+            </a:r>
+            <a:r>
+              <a:rPr lang="en-US" sz="2000" dirty="0" err="1" smtClean="0">
+                <a:ea typeface="Arial Unicode MS" panose="020B0604020202020204" pitchFamily="34" charset="-128"/>
+                <a:cs typeface="Arial Unicode MS" panose="020B0604020202020204" pitchFamily="34" charset="-128"/>
+              </a:rPr>
+              <a:t>tashqari</a:t>
+            </a:r>
+            <a:r>
+              <a:rPr lang="en-US" sz="2000" dirty="0" smtClean="0">
+                <a:ea typeface="Arial Unicode MS" panose="020B0604020202020204" pitchFamily="34" charset="-128"/>
+                <a:cs typeface="Arial Unicode MS" panose="020B0604020202020204" pitchFamily="34" charset="-128"/>
+              </a:rPr>
+              <a:t> </a:t>
+            </a:r>
+            <a:r>
+              <a:rPr lang="en-US" sz="2000" dirty="0" err="1" smtClean="0">
+                <a:ea typeface="Arial Unicode MS" panose="020B0604020202020204" pitchFamily="34" charset="-128"/>
+                <a:cs typeface="Arial Unicode MS" panose="020B0604020202020204" pitchFamily="34" charset="-128"/>
+              </a:rPr>
+              <a:t>foydalanuvchi</a:t>
+            </a:r>
+            <a:r>
+              <a:rPr lang="en-US" sz="2000" dirty="0" smtClean="0">
+                <a:ea typeface="Arial Unicode MS" panose="020B0604020202020204" pitchFamily="34" charset="-128"/>
+                <a:cs typeface="Arial Unicode MS" panose="020B0604020202020204" pitchFamily="34" charset="-128"/>
+              </a:rPr>
+              <a:t> </a:t>
+            </a:r>
+            <a:r>
+              <a:rPr lang="en-US" sz="2000" dirty="0" err="1" smtClean="0">
+                <a:ea typeface="Arial Unicode MS" panose="020B0604020202020204" pitchFamily="34" charset="-128"/>
+                <a:cs typeface="Arial Unicode MS" panose="020B0604020202020204" pitchFamily="34" charset="-128"/>
+              </a:rPr>
+              <a:t>uchun</a:t>
+            </a:r>
+            <a:r>
+              <a:rPr lang="en-US" sz="2000" dirty="0" smtClean="0">
+                <a:ea typeface="Arial Unicode MS" panose="020B0604020202020204" pitchFamily="34" charset="-128"/>
+                <a:cs typeface="Arial Unicode MS" panose="020B0604020202020204" pitchFamily="34" charset="-128"/>
+              </a:rPr>
+              <a:t> </a:t>
+            </a:r>
+            <a:r>
+              <a:rPr lang="en-US" sz="2000" dirty="0" err="1" smtClean="0">
+                <a:ea typeface="Arial Unicode MS" panose="020B0604020202020204" pitchFamily="34" charset="-128"/>
+                <a:cs typeface="Arial Unicode MS" panose="020B0604020202020204" pitchFamily="34" charset="-128"/>
+              </a:rPr>
+              <a:t>qulay</a:t>
+            </a:r>
+            <a:r>
+              <a:rPr lang="en-US" sz="2000" dirty="0" smtClean="0">
+                <a:ea typeface="Arial Unicode MS" panose="020B0604020202020204" pitchFamily="34" charset="-128"/>
+                <a:cs typeface="Arial Unicode MS" panose="020B0604020202020204" pitchFamily="34" charset="-128"/>
+              </a:rPr>
+              <a:t> </a:t>
+            </a:r>
+            <a:r>
+              <a:rPr lang="en-US" sz="2000" dirty="0" err="1" smtClean="0">
+                <a:ea typeface="Arial Unicode MS" panose="020B0604020202020204" pitchFamily="34" charset="-128"/>
+                <a:cs typeface="Arial Unicode MS" panose="020B0604020202020204" pitchFamily="34" charset="-128"/>
+              </a:rPr>
+              <a:t>interfeys</a:t>
+            </a:r>
+            <a:r>
+              <a:rPr lang="en-US" sz="2000" dirty="0" smtClean="0">
+                <a:ea typeface="Arial Unicode MS" panose="020B0604020202020204" pitchFamily="34" charset="-128"/>
+                <a:cs typeface="Arial Unicode MS" panose="020B0604020202020204" pitchFamily="34" charset="-128"/>
+              </a:rPr>
+              <a:t> </a:t>
+            </a:r>
+            <a:r>
+              <a:rPr lang="en-US" sz="2000" dirty="0" err="1" smtClean="0">
+                <a:ea typeface="Arial Unicode MS" panose="020B0604020202020204" pitchFamily="34" charset="-128"/>
+                <a:cs typeface="Arial Unicode MS" panose="020B0604020202020204" pitchFamily="34" charset="-128"/>
+              </a:rPr>
+              <a:t>qilishimiz</a:t>
+            </a:r>
+            <a:r>
+              <a:rPr lang="en-US" sz="2000" dirty="0" smtClean="0">
+                <a:ea typeface="Arial Unicode MS" panose="020B0604020202020204" pitchFamily="34" charset="-128"/>
+                <a:cs typeface="Arial Unicode MS" panose="020B0604020202020204" pitchFamily="34" charset="-128"/>
+              </a:rPr>
+              <a:t> </a:t>
+            </a:r>
+            <a:r>
+              <a:rPr lang="en-US" sz="2000" dirty="0" err="1" smtClean="0">
+                <a:ea typeface="Arial Unicode MS" panose="020B0604020202020204" pitchFamily="34" charset="-128"/>
+                <a:cs typeface="Arial Unicode MS" panose="020B0604020202020204" pitchFamily="34" charset="-128"/>
+              </a:rPr>
+              <a:t>kerak</a:t>
+            </a:r>
+            <a:r>
+              <a:rPr lang="en-US" sz="2000" dirty="0" smtClean="0">
+                <a:ea typeface="Arial Unicode MS" panose="020B0604020202020204" pitchFamily="34" charset="-128"/>
+                <a:cs typeface="Arial Unicode MS" panose="020B0604020202020204" pitchFamily="34" charset="-128"/>
+              </a:rPr>
+              <a:t>. </a:t>
+            </a:r>
+            <a:r>
+              <a:rPr lang="en-US" sz="2000" dirty="0" err="1" smtClean="0">
+                <a:ea typeface="Arial Unicode MS" panose="020B0604020202020204" pitchFamily="34" charset="-128"/>
+                <a:cs typeface="Arial Unicode MS" panose="020B0604020202020204" pitchFamily="34" charset="-128"/>
+              </a:rPr>
+              <a:t>Yaratgan</a:t>
+            </a:r>
+            <a:r>
+              <a:rPr lang="en-US" sz="2000" dirty="0" smtClean="0">
+                <a:ea typeface="Arial Unicode MS" panose="020B0604020202020204" pitchFamily="34" charset="-128"/>
+                <a:cs typeface="Arial Unicode MS" panose="020B0604020202020204" pitchFamily="34" charset="-128"/>
+              </a:rPr>
+              <a:t> </a:t>
+            </a:r>
+            <a:r>
+              <a:rPr lang="en-US" sz="2000" dirty="0" err="1" smtClean="0">
+                <a:ea typeface="Arial Unicode MS" panose="020B0604020202020204" pitchFamily="34" charset="-128"/>
+                <a:cs typeface="Arial Unicode MS" panose="020B0604020202020204" pitchFamily="34" charset="-128"/>
+              </a:rPr>
+              <a:t>ilovamiz</a:t>
+            </a:r>
+            <a:r>
+              <a:rPr lang="en-US" sz="2000" dirty="0" smtClean="0">
+                <a:ea typeface="Arial Unicode MS" panose="020B0604020202020204" pitchFamily="34" charset="-128"/>
+                <a:cs typeface="Arial Unicode MS" panose="020B0604020202020204" pitchFamily="34" charset="-128"/>
+              </a:rPr>
+              <a:t> </a:t>
+            </a:r>
+            <a:r>
+              <a:rPr lang="en-US" sz="2000" dirty="0" err="1" smtClean="0">
+                <a:ea typeface="Arial Unicode MS" panose="020B0604020202020204" pitchFamily="34" charset="-128"/>
+                <a:cs typeface="Arial Unicode MS" panose="020B0604020202020204" pitchFamily="34" charset="-128"/>
+              </a:rPr>
+              <a:t>har</a:t>
+            </a:r>
+            <a:r>
+              <a:rPr lang="en-US" sz="2000" dirty="0" smtClean="0">
+                <a:ea typeface="Arial Unicode MS" panose="020B0604020202020204" pitchFamily="34" charset="-128"/>
+                <a:cs typeface="Arial Unicode MS" panose="020B0604020202020204" pitchFamily="34" charset="-128"/>
+              </a:rPr>
+              <a:t> </a:t>
+            </a:r>
+            <a:r>
+              <a:rPr lang="en-US" sz="2000" dirty="0" err="1" smtClean="0">
+                <a:ea typeface="Arial Unicode MS" panose="020B0604020202020204" pitchFamily="34" charset="-128"/>
+                <a:cs typeface="Arial Unicode MS" panose="020B0604020202020204" pitchFamily="34" charset="-128"/>
+              </a:rPr>
+              <a:t>qanday</a:t>
+            </a:r>
+            <a:r>
+              <a:rPr lang="en-US" sz="2000" dirty="0" smtClean="0">
+                <a:ea typeface="Arial Unicode MS" panose="020B0604020202020204" pitchFamily="34" charset="-128"/>
+                <a:cs typeface="Arial Unicode MS" panose="020B0604020202020204" pitchFamily="34" charset="-128"/>
+              </a:rPr>
+              <a:t> </a:t>
+            </a:r>
+            <a:r>
+              <a:rPr lang="en-US" sz="2000" dirty="0" err="1" smtClean="0">
+                <a:ea typeface="Arial Unicode MS" panose="020B0604020202020204" pitchFamily="34" charset="-128"/>
+                <a:cs typeface="Arial Unicode MS" panose="020B0604020202020204" pitchFamily="34" charset="-128"/>
+              </a:rPr>
+              <a:t>dasturiy</a:t>
+            </a:r>
+            <a:r>
+              <a:rPr lang="en-US" sz="2000" dirty="0" smtClean="0">
+                <a:ea typeface="Arial Unicode MS" panose="020B0604020202020204" pitchFamily="34" charset="-128"/>
+                <a:cs typeface="Arial Unicode MS" panose="020B0604020202020204" pitchFamily="34" charset="-128"/>
+              </a:rPr>
+              <a:t> </a:t>
+            </a:r>
+            <a:r>
+              <a:rPr lang="en-US" sz="2000" dirty="0" err="1" smtClean="0">
+                <a:ea typeface="Arial Unicode MS" panose="020B0604020202020204" pitchFamily="34" charset="-128"/>
+                <a:cs typeface="Arial Unicode MS" panose="020B0604020202020204" pitchFamily="34" charset="-128"/>
+              </a:rPr>
+              <a:t>ta’minot</a:t>
+            </a:r>
+            <a:r>
+              <a:rPr lang="en-US" sz="2000" dirty="0" smtClean="0">
+                <a:ea typeface="Arial Unicode MS" panose="020B0604020202020204" pitchFamily="34" charset="-128"/>
+                <a:cs typeface="Arial Unicode MS" panose="020B0604020202020204" pitchFamily="34" charset="-128"/>
+              </a:rPr>
+              <a:t> </a:t>
+            </a:r>
+            <a:r>
+              <a:rPr lang="en-US" sz="2000" dirty="0" err="1" smtClean="0">
+                <a:ea typeface="Arial Unicode MS" panose="020B0604020202020204" pitchFamily="34" charset="-128"/>
+                <a:cs typeface="Arial Unicode MS" panose="020B0604020202020204" pitchFamily="34" charset="-128"/>
+              </a:rPr>
+              <a:t>uchun</a:t>
+            </a:r>
+            <a:r>
+              <a:rPr lang="en-US" sz="2000" dirty="0" smtClean="0">
+                <a:ea typeface="Arial Unicode MS" panose="020B0604020202020204" pitchFamily="34" charset="-128"/>
+                <a:cs typeface="Arial Unicode MS" panose="020B0604020202020204" pitchFamily="34" charset="-128"/>
+              </a:rPr>
+              <a:t> </a:t>
+            </a:r>
+            <a:r>
+              <a:rPr lang="en-US" sz="2000" dirty="0" err="1" smtClean="0">
+                <a:ea typeface="Arial Unicode MS" panose="020B0604020202020204" pitchFamily="34" charset="-128"/>
+                <a:cs typeface="Arial Unicode MS" panose="020B0604020202020204" pitchFamily="34" charset="-128"/>
+              </a:rPr>
+              <a:t>ishlay</a:t>
+            </a:r>
+            <a:r>
+              <a:rPr lang="en-US" sz="2000" dirty="0" smtClean="0">
+                <a:ea typeface="Arial Unicode MS" panose="020B0604020202020204" pitchFamily="34" charset="-128"/>
+                <a:cs typeface="Arial Unicode MS" panose="020B0604020202020204" pitchFamily="34" charset="-128"/>
+              </a:rPr>
+              <a:t> </a:t>
+            </a:r>
+            <a:r>
+              <a:rPr lang="en-US" sz="2000" dirty="0" err="1" smtClean="0">
+                <a:ea typeface="Arial Unicode MS" panose="020B0604020202020204" pitchFamily="34" charset="-128"/>
+                <a:cs typeface="Arial Unicode MS" panose="020B0604020202020204" pitchFamily="34" charset="-128"/>
+              </a:rPr>
+              <a:t>olishi</a:t>
+            </a:r>
+            <a:r>
+              <a:rPr lang="en-US" sz="2000" dirty="0" smtClean="0">
+                <a:ea typeface="Arial Unicode MS" panose="020B0604020202020204" pitchFamily="34" charset="-128"/>
+                <a:cs typeface="Arial Unicode MS" panose="020B0604020202020204" pitchFamily="34" charset="-128"/>
+              </a:rPr>
+              <a:t> </a:t>
+            </a:r>
+            <a:r>
+              <a:rPr lang="en-US" sz="2000" dirty="0" err="1" smtClean="0">
+                <a:ea typeface="Arial Unicode MS" panose="020B0604020202020204" pitchFamily="34" charset="-128"/>
+                <a:cs typeface="Arial Unicode MS" panose="020B0604020202020204" pitchFamily="34" charset="-128"/>
+              </a:rPr>
+              <a:t>kerak</a:t>
+            </a:r>
+            <a:r>
+              <a:rPr lang="en-US" sz="2000" dirty="0" smtClean="0">
+                <a:ea typeface="Arial Unicode MS" panose="020B0604020202020204" pitchFamily="34" charset="-128"/>
+                <a:cs typeface="Arial Unicode MS" panose="020B0604020202020204" pitchFamily="34" charset="-128"/>
+              </a:rPr>
+              <a:t>. Web </a:t>
+            </a:r>
+            <a:r>
+              <a:rPr lang="en-US" sz="2000" dirty="0" err="1" smtClean="0">
+                <a:ea typeface="Arial Unicode MS" panose="020B0604020202020204" pitchFamily="34" charset="-128"/>
+                <a:cs typeface="Arial Unicode MS" panose="020B0604020202020204" pitchFamily="34" charset="-128"/>
+              </a:rPr>
+              <a:t>ilovani</a:t>
+            </a:r>
+            <a:r>
+              <a:rPr lang="en-US" sz="2000" dirty="0" smtClean="0">
+                <a:ea typeface="Arial Unicode MS" panose="020B0604020202020204" pitchFamily="34" charset="-128"/>
+                <a:cs typeface="Arial Unicode MS" panose="020B0604020202020204" pitchFamily="34" charset="-128"/>
+              </a:rPr>
+              <a:t> </a:t>
+            </a:r>
+            <a:r>
+              <a:rPr lang="en-US" sz="2000" dirty="0" err="1" smtClean="0">
+                <a:ea typeface="Arial Unicode MS" panose="020B0604020202020204" pitchFamily="34" charset="-128"/>
+                <a:cs typeface="Arial Unicode MS" panose="020B0604020202020204" pitchFamily="34" charset="-128"/>
+              </a:rPr>
+              <a:t>yaratish</a:t>
+            </a:r>
+            <a:r>
+              <a:rPr lang="en-US" sz="2000" dirty="0" smtClean="0">
+                <a:ea typeface="Arial Unicode MS" panose="020B0604020202020204" pitchFamily="34" charset="-128"/>
+                <a:cs typeface="Arial Unicode MS" panose="020B0604020202020204" pitchFamily="34" charset="-128"/>
+              </a:rPr>
+              <a:t> </a:t>
+            </a:r>
+            <a:r>
+              <a:rPr lang="en-US" sz="2000" dirty="0" err="1" smtClean="0">
+                <a:ea typeface="Arial Unicode MS" panose="020B0604020202020204" pitchFamily="34" charset="-128"/>
+                <a:cs typeface="Arial Unicode MS" panose="020B0604020202020204" pitchFamily="34" charset="-128"/>
+              </a:rPr>
+              <a:t>davomida</a:t>
+            </a:r>
+            <a:r>
+              <a:rPr lang="en-US" sz="2000" dirty="0" smtClean="0">
+                <a:ea typeface="Arial Unicode MS" panose="020B0604020202020204" pitchFamily="34" charset="-128"/>
+                <a:cs typeface="Arial Unicode MS" panose="020B0604020202020204" pitchFamily="34" charset="-128"/>
+              </a:rPr>
+              <a:t> PHP </a:t>
+            </a:r>
+            <a:r>
+              <a:rPr lang="en-US" sz="2000" dirty="0" err="1" smtClean="0">
+                <a:ea typeface="Arial Unicode MS" panose="020B0604020202020204" pitchFamily="34" charset="-128"/>
+                <a:cs typeface="Arial Unicode MS" panose="020B0604020202020204" pitchFamily="34" charset="-128"/>
+              </a:rPr>
+              <a:t>dasturlash</a:t>
+            </a:r>
+            <a:r>
+              <a:rPr lang="en-US" sz="2000" dirty="0" smtClean="0">
+                <a:ea typeface="Arial Unicode MS" panose="020B0604020202020204" pitchFamily="34" charset="-128"/>
+                <a:cs typeface="Arial Unicode MS" panose="020B0604020202020204" pitchFamily="34" charset="-128"/>
+              </a:rPr>
+              <a:t> </a:t>
+            </a:r>
+            <a:r>
+              <a:rPr lang="en-US" sz="2000" dirty="0" err="1" smtClean="0">
+                <a:ea typeface="Arial Unicode MS" panose="020B0604020202020204" pitchFamily="34" charset="-128"/>
+                <a:cs typeface="Arial Unicode MS" panose="020B0604020202020204" pitchFamily="34" charset="-128"/>
+              </a:rPr>
+              <a:t>tilida</a:t>
+            </a:r>
+            <a:r>
+              <a:rPr lang="en-US" sz="2000" dirty="0" smtClean="0">
+                <a:ea typeface="Arial Unicode MS" panose="020B0604020202020204" pitchFamily="34" charset="-128"/>
+                <a:cs typeface="Arial Unicode MS" panose="020B0604020202020204" pitchFamily="34" charset="-128"/>
+              </a:rPr>
+              <a:t> 2 </a:t>
+            </a:r>
+            <a:r>
+              <a:rPr lang="en-US" sz="2000" dirty="0" err="1" smtClean="0">
+                <a:ea typeface="Arial Unicode MS" panose="020B0604020202020204" pitchFamily="34" charset="-128"/>
+                <a:cs typeface="Arial Unicode MS" panose="020B0604020202020204" pitchFamily="34" charset="-128"/>
+              </a:rPr>
+              <a:t>faktorli</a:t>
+            </a:r>
+            <a:r>
+              <a:rPr lang="en-US" sz="2000" dirty="0" smtClean="0">
+                <a:ea typeface="Arial Unicode MS" panose="020B0604020202020204" pitchFamily="34" charset="-128"/>
+                <a:cs typeface="Arial Unicode MS" panose="020B0604020202020204" pitchFamily="34" charset="-128"/>
+              </a:rPr>
+              <a:t> </a:t>
+            </a:r>
+            <a:r>
+              <a:rPr lang="en-US" sz="2000" dirty="0" err="1" smtClean="0">
+                <a:ea typeface="Arial Unicode MS" panose="020B0604020202020204" pitchFamily="34" charset="-128"/>
+                <a:cs typeface="Arial Unicode MS" panose="020B0604020202020204" pitchFamily="34" charset="-128"/>
+              </a:rPr>
+              <a:t>avtorizatsiya</a:t>
+            </a:r>
+            <a:r>
               <a:rPr lang="en-US" sz="2000" dirty="0">
-                <a:latin typeface="+mn-lt"/>
-              </a:rPr>
-            </a:br>
+                <a:ea typeface="Arial Unicode MS" panose="020B0604020202020204" pitchFamily="34" charset="-128"/>
+                <a:cs typeface="Arial Unicode MS" panose="020B0604020202020204" pitchFamily="34" charset="-128"/>
+              </a:rPr>
+              <a:t> </a:t>
+            </a:r>
+            <a:r>
+              <a:rPr lang="en-US" sz="2000" dirty="0" err="1" smtClean="0">
+                <a:ea typeface="Arial Unicode MS" panose="020B0604020202020204" pitchFamily="34" charset="-128"/>
+                <a:cs typeface="Arial Unicode MS" panose="020B0604020202020204" pitchFamily="34" charset="-128"/>
+              </a:rPr>
+              <a:t>qilish</a:t>
+            </a:r>
+            <a:r>
+              <a:rPr lang="en-US" sz="2000" dirty="0" smtClean="0">
+                <a:ea typeface="Arial Unicode MS" panose="020B0604020202020204" pitchFamily="34" charset="-128"/>
+                <a:cs typeface="Arial Unicode MS" panose="020B0604020202020204" pitchFamily="34" charset="-128"/>
+              </a:rPr>
+              <a:t> </a:t>
+            </a:r>
+            <a:r>
+              <a:rPr lang="en-US" sz="2000" dirty="0" err="1" smtClean="0">
+                <a:ea typeface="Arial Unicode MS" panose="020B0604020202020204" pitchFamily="34" charset="-128"/>
+                <a:cs typeface="Arial Unicode MS" panose="020B0604020202020204" pitchFamily="34" charset="-128"/>
+              </a:rPr>
+              <a:t>o‘rganildi</a:t>
+            </a:r>
             <a:r>
               <a:rPr lang="en-US" sz="2000" dirty="0">
-                <a:latin typeface="+mn-lt"/>
-              </a:rPr>
-              <a:t>3. https://packagist.org/packages/napaeduhub/eskiz-sms-client</a:t>
-            </a:r>
-            <a:r>
-              <a:rPr lang="en-US" sz="2000" dirty="0" smtClean="0">
-                <a:latin typeface="+mn-lt"/>
-              </a:rPr>
-              <a:t/>
-            </a:r>
-            <a:br>
-              <a:rPr lang="en-US" sz="2000" dirty="0" smtClean="0">
-                <a:latin typeface="+mn-lt"/>
-              </a:rPr>
-            </a:br>
-            <a:r>
-              <a:rPr lang="ru-RU" sz="2000" dirty="0" smtClean="0">
-                <a:latin typeface="+mn-lt"/>
-              </a:rPr>
-              <a:t/>
-            </a:r>
-            <a:br>
-              <a:rPr lang="ru-RU" sz="2000" dirty="0" smtClean="0">
-                <a:latin typeface="+mn-lt"/>
-              </a:rPr>
-            </a:br>
-            <a:r>
-              <a:rPr lang="en-US" sz="2000" u="sng" dirty="0" smtClean="0">
-                <a:latin typeface="+mn-lt"/>
-                <a:cs typeface="Times New Roman" panose="02020603050405020304" pitchFamily="18" charset="0"/>
-              </a:rPr>
-              <a:t>        </a:t>
-            </a:r>
-            <a:endParaRPr lang="ru-RU" sz="2000" dirty="0">
-              <a:latin typeface="+mn-lt"/>
+                <a:ea typeface="Arial Unicode MS" panose="020B0604020202020204" pitchFamily="34" charset="-128"/>
+                <a:cs typeface="Arial Unicode MS" panose="020B0604020202020204" pitchFamily="34" charset="-128"/>
+              </a:rPr>
+              <a:t>.</a:t>
+            </a:r>
+            <a:endParaRPr lang="en-US" sz="2000" dirty="0" smtClean="0">
+              <a:ea typeface="Arial Unicode MS" panose="020B0604020202020204" pitchFamily="34" charset="-128"/>
+              <a:cs typeface="Arial Unicode MS" panose="020B0604020202020204" pitchFamily="34" charset="-128"/>
             </a:endParaRPr>
           </a:p>
         </p:txBody>
@@ -4306,13 +5094,25 @@
     </p:spTree>
     <p:extLst>
       <p:ext uri="{BB962C8B-B14F-4D97-AF65-F5344CB8AC3E}">
-        <p14:creationId xmlns:p14="http://schemas.microsoft.com/office/powerpoint/2010/main" val="418335196"/>
+        <p14:creationId xmlns:p14="http://schemas.microsoft.com/office/powerpoint/2010/main" val="3364467084"/>
       </p:ext>
     </p:extLst>
   </p:cSld>
   <p:clrMapOvr>
     <a:masterClrMapping/>
   </p:clrMapOvr>
+  <mc:AlternateContent xmlns:mc="http://schemas.openxmlformats.org/markup-compatibility/2006">
+    <mc:Choice xmlns:p14="http://schemas.microsoft.com/office/powerpoint/2010/main" Requires="p14">
+      <p:transition spd="slow" p14:dur="1250">
+        <p14:flip dir="r"/>
+      </p:transition>
+    </mc:Choice>
+    <mc:Fallback>
+      <p:transition spd="slow">
+        <p:fade/>
+      </p:transition>
+    </mc:Fallback>
+  </mc:AlternateContent>
   <p:timing>
     <p:tnLst>
       <p:par>
@@ -4352,6 +5152,180 @@
         </p:nvSpPr>
         <p:spPr>
           <a:xfrm>
+            <a:off x="1195781" y="1875453"/>
+            <a:ext cx="9211235" cy="2883160"/>
+          </a:xfrm>
+        </p:spPr>
+        <p:txBody>
+          <a:bodyPr>
+            <a:noAutofit/>
+          </a:bodyPr>
+          <a:lstStyle/>
+          <a:p>
+            <a:pPr>
+              <a:lnSpc>
+                <a:spcPct val="200000"/>
+              </a:lnSpc>
+            </a:pPr>
+            <a:r>
+              <a:rPr lang="uz-Latn-UZ" sz="2000" b="1" dirty="0" smtClean="0">
+                <a:latin typeface="+mn-lt"/>
+              </a:rPr>
+              <a:t>Foydalanilgan </a:t>
+            </a:r>
+            <a:r>
+              <a:rPr lang="en-US" sz="2000" b="1" dirty="0" err="1" smtClean="0">
+                <a:latin typeface="+mn-lt"/>
+              </a:rPr>
+              <a:t>i</a:t>
+            </a:r>
+            <a:r>
+              <a:rPr lang="uz-Latn-UZ" sz="2000" b="1" dirty="0" smtClean="0">
+                <a:latin typeface="+mn-lt"/>
+              </a:rPr>
+              <a:t>nternet resurslari</a:t>
+            </a:r>
+            <a:r>
+              <a:rPr lang="en-US" sz="2000" dirty="0" smtClean="0">
+                <a:latin typeface="+mn-lt"/>
+              </a:rPr>
+              <a:t/>
+            </a:r>
+            <a:br>
+              <a:rPr lang="en-US" sz="2000" dirty="0" smtClean="0">
+                <a:latin typeface="+mn-lt"/>
+              </a:rPr>
+            </a:br>
+            <a:r>
+              <a:rPr lang="en-US" sz="2000" dirty="0" smtClean="0">
+                <a:latin typeface="+mn-lt"/>
+              </a:rPr>
+              <a:t>1. https:://www.php.net/</a:t>
+            </a:r>
+            <a:br>
+              <a:rPr lang="en-US" sz="2000" dirty="0" smtClean="0">
+                <a:latin typeface="+mn-lt"/>
+              </a:rPr>
+            </a:br>
+            <a:r>
+              <a:rPr lang="en-US" sz="2000" dirty="0" smtClean="0">
+                <a:latin typeface="+mn-lt"/>
+              </a:rPr>
+              <a:t>2. https:://www.laravel.com/</a:t>
+            </a:r>
+            <a:r>
+              <a:rPr lang="en-US" sz="2000" dirty="0">
+                <a:latin typeface="+mn-lt"/>
+              </a:rPr>
+              <a:t/>
+            </a:r>
+            <a:br>
+              <a:rPr lang="en-US" sz="2000" dirty="0">
+                <a:latin typeface="+mn-lt"/>
+              </a:rPr>
+            </a:br>
+            <a:r>
+              <a:rPr lang="en-US" sz="2000" dirty="0">
+                <a:latin typeface="+mn-lt"/>
+              </a:rPr>
+              <a:t>3. https://packagist.org/packages/napaeduhub/eskiz-sms-client</a:t>
+            </a:r>
+            <a:r>
+              <a:rPr lang="en-US" sz="2000" dirty="0" smtClean="0">
+                <a:latin typeface="+mn-lt"/>
+              </a:rPr>
+              <a:t/>
+            </a:r>
+            <a:br>
+              <a:rPr lang="en-US" sz="2000" dirty="0" smtClean="0">
+                <a:latin typeface="+mn-lt"/>
+              </a:rPr>
+            </a:br>
+            <a:r>
+              <a:rPr lang="ru-RU" sz="2000" dirty="0" smtClean="0">
+                <a:latin typeface="+mn-lt"/>
+              </a:rPr>
+              <a:t/>
+            </a:r>
+            <a:br>
+              <a:rPr lang="ru-RU" sz="2000" dirty="0" smtClean="0">
+                <a:latin typeface="+mn-lt"/>
+              </a:rPr>
+            </a:br>
+            <a:r>
+              <a:rPr lang="en-US" sz="2000" u="sng" dirty="0" smtClean="0">
+                <a:latin typeface="+mn-lt"/>
+                <a:cs typeface="Times New Roman" panose="02020603050405020304" pitchFamily="18" charset="0"/>
+              </a:rPr>
+              <a:t>        </a:t>
+            </a:r>
+            <a:endParaRPr lang="ru-RU" sz="2000" dirty="0">
+              <a:latin typeface="+mn-lt"/>
+            </a:endParaRPr>
+          </a:p>
+        </p:txBody>
+      </p:sp>
+    </p:spTree>
+    <p:extLst>
+      <p:ext uri="{BB962C8B-B14F-4D97-AF65-F5344CB8AC3E}">
+        <p14:creationId xmlns:p14="http://schemas.microsoft.com/office/powerpoint/2010/main" val="418335196"/>
+      </p:ext>
+    </p:extLst>
+  </p:cSld>
+  <p:clrMapOvr>
+    <a:masterClrMapping/>
+  </p:clrMapOvr>
+  <mc:AlternateContent xmlns:mc="http://schemas.openxmlformats.org/markup-compatibility/2006">
+    <mc:Choice xmlns:p14="http://schemas.microsoft.com/office/powerpoint/2010/main" Requires="p14">
+      <p:transition spd="slow" p14:dur="1250">
+        <p14:switch dir="r"/>
+      </p:transition>
+    </mc:Choice>
+    <mc:Fallback>
+      <p:transition spd="slow">
+        <p:fade/>
+      </p:transition>
+    </mc:Fallback>
+  </mc:AlternateContent>
+  <p:timing>
+    <p:tnLst>
+      <p:par>
+        <p:cTn id="1" dur="indefinite" restart="never" nodeType="tmRoot"/>
+      </p:par>
+    </p:tnLst>
+  </p:timing>
+</p:sld>
+</file>
+
+<file path=ppt/slides/slide12.xml><?xml version="1.0" encoding="utf-8"?>
+<p:sld xmlns:a="http://schemas.openxmlformats.org/drawingml/2006/main" xmlns:r="http://schemas.openxmlformats.org/officeDocument/2006/relationships" xmlns:p="http://schemas.openxmlformats.org/presentationml/2006/main">
+  <p:cSld>
+    <p:spTree>
+      <p:nvGrpSpPr>
+        <p:cNvPr id="1" name=""/>
+        <p:cNvGrpSpPr/>
+        <p:nvPr/>
+      </p:nvGrpSpPr>
+      <p:grpSpPr>
+        <a:xfrm>
+          <a:off x="0" y="0"/>
+          <a:ext cx="0" cy="0"/>
+          <a:chOff x="0" y="0"/>
+          <a:chExt cx="0" cy="0"/>
+        </a:xfrm>
+      </p:grpSpPr>
+      <p:sp>
+        <p:nvSpPr>
+          <p:cNvPr id="2" name="Заголовок 1"/>
+          <p:cNvSpPr>
+            <a:spLocks noGrp="1"/>
+          </p:cNvSpPr>
+          <p:nvPr>
+            <p:ph type="title"/>
+          </p:nvPr>
+        </p:nvSpPr>
+        <p:spPr>
+          <a:xfrm>
             <a:off x="2317100" y="2252603"/>
             <a:ext cx="7413171" cy="1771999"/>
           </a:xfrm>
@@ -4381,6 +5355,18 @@
   <p:clrMapOvr>
     <a:masterClrMapping/>
   </p:clrMapOvr>
+  <mc:AlternateContent xmlns:mc="http://schemas.openxmlformats.org/markup-compatibility/2006">
+    <mc:Choice xmlns:p14="http://schemas.microsoft.com/office/powerpoint/2010/main" Requires="p14">
+      <p:transition spd="slow" p14:dur="3900">
+        <p14:glitter pattern="hexagon"/>
+      </p:transition>
+    </mc:Choice>
+    <mc:Fallback>
+      <p:transition spd="slow">
+        <p:fade/>
+      </p:transition>
+    </mc:Fallback>
+  </mc:AlternateContent>
   <p:timing>
     <p:tnLst>
       <p:par>
@@ -4839,134 +5825,9 @@
   <p:timing>
     <p:tnLst>
       <p:par>
-        <p:cTn id="1" dur="indefinite" restart="never" nodeType="tmRoot">
-          <p:childTnLst>
-            <p:seq concurrent="1" nextAc="seek">
-              <p:cTn id="2" dur="indefinite" nodeType="mainSeq">
-                <p:childTnLst>
-                  <p:par>
-                    <p:cTn id="3" fill="hold">
-                      <p:stCondLst>
-                        <p:cond delay="indefinite"/>
-                      </p:stCondLst>
-                      <p:childTnLst>
-                        <p:par>
-                          <p:cTn id="4" fill="hold">
-                            <p:stCondLst>
-                              <p:cond delay="0"/>
-                            </p:stCondLst>
-                            <p:childTnLst>
-                              <p:par>
-                                <p:cTn id="5" presetID="42" presetClass="entr" presetSubtype="0" fill="hold" grpId="0" nodeType="clickEffect">
-                                  <p:stCondLst>
-                                    <p:cond delay="0"/>
-                                  </p:stCondLst>
-                                  <p:childTnLst>
-                                    <p:set>
-                                      <p:cBhvr>
-                                        <p:cTn id="6" dur="1" fill="hold">
-                                          <p:stCondLst>
-                                            <p:cond delay="0"/>
-                                          </p:stCondLst>
-                                        </p:cTn>
-                                        <p:tgtEl>
-                                          <p:spTgt spid="2"/>
-                                        </p:tgtEl>
-                                        <p:attrNameLst>
-                                          <p:attrName>style.visibility</p:attrName>
-                                        </p:attrNameLst>
-                                      </p:cBhvr>
-                                      <p:to>
-                                        <p:strVal val="visible"/>
-                                      </p:to>
-                                    </p:set>
-                                    <p:animEffect transition="in" filter="fade">
-                                      <p:cBhvr>
-                                        <p:cTn id="7" dur="1000"/>
-                                        <p:tgtEl>
-                                          <p:spTgt spid="2"/>
-                                        </p:tgtEl>
-                                      </p:cBhvr>
-                                    </p:animEffect>
-                                    <p:anim calcmode="lin" valueType="num">
-                                      <p:cBhvr>
-                                        <p:cTn id="8" dur="1000" fill="hold"/>
-                                        <p:tgtEl>
-                                          <p:spTgt spid="2"/>
-                                        </p:tgtEl>
-                                        <p:attrNameLst>
-                                          <p:attrName>ppt_x</p:attrName>
-                                        </p:attrNameLst>
-                                      </p:cBhvr>
-                                      <p:tavLst>
-                                        <p:tav tm="0">
-                                          <p:val>
-                                            <p:strVal val="#ppt_x"/>
-                                          </p:val>
-                                        </p:tav>
-                                        <p:tav tm="100000">
-                                          <p:val>
-                                            <p:strVal val="#ppt_x"/>
-                                          </p:val>
-                                        </p:tav>
-                                      </p:tavLst>
-                                    </p:anim>
-                                    <p:anim calcmode="lin" valueType="num">
-                                      <p:cBhvr>
-                                        <p:cTn id="9" dur="1000" fill="hold"/>
-                                        <p:tgtEl>
-                                          <p:spTgt spid="2"/>
-                                        </p:tgtEl>
-                                        <p:attrNameLst>
-                                          <p:attrName>ppt_y</p:attrName>
-                                        </p:attrNameLst>
-                                      </p:cBhvr>
-                                      <p:tavLst>
-                                        <p:tav tm="0">
-                                          <p:val>
-                                            <p:strVal val="#ppt_y+.1"/>
-                                          </p:val>
-                                        </p:tav>
-                                        <p:tav tm="100000">
-                                          <p:val>
-                                            <p:strVal val="#ppt_y"/>
-                                          </p:val>
-                                        </p:tav>
-                                      </p:tavLst>
-                                    </p:anim>
-                                  </p:childTnLst>
-                                </p:cTn>
-                              </p:par>
-                            </p:childTnLst>
-                          </p:cTn>
-                        </p:par>
-                      </p:childTnLst>
-                    </p:cTn>
-                  </p:par>
-                </p:childTnLst>
-              </p:cTn>
-              <p:prevCondLst>
-                <p:cond evt="onPrev" delay="0">
-                  <p:tgtEl>
-                    <p:sldTgt/>
-                  </p:tgtEl>
-                </p:cond>
-              </p:prevCondLst>
-              <p:nextCondLst>
-                <p:cond evt="onNext" delay="0">
-                  <p:tgtEl>
-                    <p:sldTgt/>
-                  </p:tgtEl>
-                </p:cond>
-              </p:nextCondLst>
-            </p:seq>
-          </p:childTnLst>
-        </p:cTn>
+        <p:cTn id="1" dur="indefinite" restart="never" nodeType="tmRoot"/>
       </p:par>
     </p:tnLst>
-    <p:bldLst>
-      <p:bldP spid="2" grpId="0"/>
-    </p:bldLst>
   </p:timing>
 </p:sld>
 </file>
@@ -5518,6 +6379,18 @@
   <p:clrMapOvr>
     <a:masterClrMapping/>
   </p:clrMapOvr>
+  <mc:AlternateContent xmlns:mc="http://schemas.openxmlformats.org/markup-compatibility/2006">
+    <mc:Choice xmlns:p14="http://schemas.microsoft.com/office/powerpoint/2010/main" Requires="p14">
+      <p:transition spd="slow" p14:dur="1250">
+        <p14:switch dir="r"/>
+      </p:transition>
+    </mc:Choice>
+    <mc:Fallback>
+      <p:transition spd="slow">
+        <p:fade/>
+      </p:transition>
+    </mc:Fallback>
+  </mc:AlternateContent>
   <p:timing>
     <p:tnLst>
       <p:par>
@@ -5829,6 +6702,18 @@
   <p:clrMapOvr>
     <a:masterClrMapping/>
   </p:clrMapOvr>
+  <mc:AlternateContent xmlns:mc="http://schemas.openxmlformats.org/markup-compatibility/2006">
+    <mc:Choice xmlns:p14="http://schemas.microsoft.com/office/powerpoint/2010/main" Requires="p14">
+      <p:transition spd="slow" p14:dur="1250">
+        <p14:flip dir="r"/>
+      </p:transition>
+    </mc:Choice>
+    <mc:Fallback>
+      <p:transition spd="slow">
+        <p:fade/>
+      </p:transition>
+    </mc:Fallback>
+  </mc:AlternateContent>
   <p:timing>
     <p:tnLst>
       <p:par>
@@ -6052,6 +6937,18 @@
   <p:clrMapOvr>
     <a:masterClrMapping/>
   </p:clrMapOvr>
+  <mc:AlternateContent xmlns:mc="http://schemas.openxmlformats.org/markup-compatibility/2006">
+    <mc:Choice xmlns:p14="http://schemas.microsoft.com/office/powerpoint/2010/main" Requires="p14">
+      <p:transition spd="slow" p14:dur="1600">
+        <p14:gallery dir="l"/>
+      </p:transition>
+    </mc:Choice>
+    <mc:Fallback>
+      <p:transition spd="slow">
+        <p:fade/>
+      </p:transition>
+    </mc:Fallback>
+  </mc:AlternateContent>
   <p:timing>
     <p:tnLst>
       <p:par>
@@ -6183,6 +7080,18 @@
   <p:clrMapOvr>
     <a:masterClrMapping/>
   </p:clrMapOvr>
+  <mc:AlternateContent xmlns:mc="http://schemas.openxmlformats.org/markup-compatibility/2006">
+    <mc:Choice xmlns:p14="http://schemas.microsoft.com/office/powerpoint/2010/main" Requires="p14">
+      <p:transition spd="slow" p14:dur="1250">
+        <p14:switch dir="r"/>
+      </p:transition>
+    </mc:Choice>
+    <mc:Fallback>
+      <p:transition spd="slow">
+        <p:fade/>
+      </p:transition>
+    </mc:Fallback>
+  </mc:AlternateContent>
   <p:timing>
     <p:tnLst>
       <p:par>
@@ -6212,926 +7121,581 @@
       </p:grpSpPr>
       <p:sp>
         <p:nvSpPr>
-          <p:cNvPr id="2" name="Прямоугольник 1"/>
-          <p:cNvSpPr/>
-          <p:nvPr/>
-        </p:nvSpPr>
-        <p:spPr>
-          <a:xfrm>
-            <a:off x="1162820" y="1199234"/>
-            <a:ext cx="9390743" cy="3785652"/>
-          </a:xfrm>
-          <a:prstGeom prst="rect">
-            <a:avLst/>
-          </a:prstGeom>
-        </p:spPr>
+          <p:cNvPr id="2" name="Заголовок 1"/>
+          <p:cNvSpPr>
+            <a:spLocks noGrp="1"/>
+          </p:cNvSpPr>
+          <p:nvPr>
+            <p:ph type="title"/>
+          </p:nvPr>
+        </p:nvSpPr>
+        <p:spPr/>
         <p:txBody>
-          <a:bodyPr wrap="square">
-            <a:spAutoFit/>
-          </a:bodyPr>
+          <a:bodyPr/>
           <a:lstStyle/>
           <a:p>
-            <a:pPr>
-              <a:lnSpc>
-                <a:spcPct val="150000"/>
-              </a:lnSpc>
+            <a:r>
+              <a:rPr lang="en-US" dirty="0" err="1" smtClean="0"/>
+              <a:t>Integratsiya</a:t>
+            </a:r>
+            <a:r>
+              <a:rPr lang="en-US" dirty="0"/>
+              <a:t> </a:t>
+            </a:r>
+            <a:r>
+              <a:rPr lang="en-US" dirty="0" err="1" smtClean="0"/>
+              <a:t>qilish</a:t>
+            </a:r>
+            <a:endParaRPr lang="ru-RU" dirty="0"/>
+          </a:p>
+        </p:txBody>
+      </p:sp>
+      <p:sp>
+        <p:nvSpPr>
+          <p:cNvPr id="3" name="Объект 2"/>
+          <p:cNvSpPr>
+            <a:spLocks noGrp="1"/>
+          </p:cNvSpPr>
+          <p:nvPr>
+            <p:ph idx="1"/>
+          </p:nvPr>
+        </p:nvSpPr>
+        <p:spPr/>
+        <p:txBody>
+          <a:bodyPr/>
+          <a:lstStyle/>
+          <a:p>
+            <a:pPr marL="457200" indent="-457200">
+              <a:buFont typeface="+mj-lt"/>
+              <a:buAutoNum type="arabicPeriod"/>
             </a:pPr>
             <a:r>
-              <a:rPr lang="en-US" sz="2000" b="1" dirty="0" smtClean="0">
-                <a:ea typeface="Arial Unicode MS" panose="020B0604020202020204" pitchFamily="34" charset="-128"/>
-                <a:cs typeface="Arial Unicode MS" panose="020B0604020202020204" pitchFamily="34" charset="-128"/>
-              </a:rPr>
-              <a:t>                                                                 </a:t>
-            </a:r>
-            <a:r>
-              <a:rPr lang="uz-Cyrl-UZ" sz="2000" b="1" dirty="0" smtClean="0">
-                <a:ea typeface="Arial Unicode MS" panose="020B0604020202020204" pitchFamily="34" charset="-128"/>
-                <a:cs typeface="Arial Unicode MS" panose="020B0604020202020204" pitchFamily="34" charset="-128"/>
-              </a:rPr>
-              <a:t>Xulosa</a:t>
-            </a:r>
-            <a:r>
-              <a:rPr lang="uz-Cyrl-UZ" sz="2000" b="1" dirty="0">
-                <a:ea typeface="Arial Unicode MS" panose="020B0604020202020204" pitchFamily="34" charset="-128"/>
-                <a:cs typeface="Arial Unicode MS" panose="020B0604020202020204" pitchFamily="34" charset="-128"/>
-              </a:rPr>
+              <a:rPr lang="en-US" dirty="0">
+                <a:hlinkClick r:id="rId2"/>
+              </a:rPr>
+              <a:t>https://</a:t>
+            </a:r>
+            <a:r>
+              <a:rPr lang="en-US" dirty="0" smtClean="0">
+                <a:hlinkClick r:id="rId2"/>
+              </a:rPr>
+              <a:t>github.com/AsadbekPulatov/two_factor_auth</a:t>
+            </a:r>
+            <a:r>
+              <a:rPr lang="ru-RU" dirty="0" smtClean="0"/>
+              <a:t> </a:t>
+            </a:r>
+            <a:r>
+              <a:rPr lang="en-US" dirty="0" err="1" smtClean="0"/>
+              <a:t>githubdan</a:t>
+            </a:r>
+            <a:r>
+              <a:rPr lang="en-US" dirty="0" smtClean="0"/>
+              <a:t> </a:t>
+            </a:r>
+            <a:r>
+              <a:rPr lang="en-US" dirty="0" err="1" smtClean="0"/>
+              <a:t>ushbu</a:t>
+            </a:r>
+            <a:r>
+              <a:rPr lang="en-US" dirty="0" smtClean="0"/>
+              <a:t> </a:t>
+            </a:r>
+            <a:r>
+              <a:rPr lang="en-US" dirty="0" err="1" smtClean="0"/>
+              <a:t>fayllarni</a:t>
+            </a:r>
+            <a:r>
+              <a:rPr lang="en-US" dirty="0" smtClean="0"/>
+              <a:t> </a:t>
+            </a:r>
+            <a:r>
+              <a:rPr lang="en-US" dirty="0" err="1" smtClean="0"/>
+              <a:t>yuklab</a:t>
+            </a:r>
+            <a:r>
+              <a:rPr lang="en-US" dirty="0" smtClean="0"/>
+              <a:t> </a:t>
+            </a:r>
+            <a:r>
+              <a:rPr lang="en-US" dirty="0" err="1" smtClean="0"/>
+              <a:t>olasiz</a:t>
+            </a:r>
+            <a:r>
+              <a:rPr lang="en-US" dirty="0" smtClean="0"/>
               <a:t>.</a:t>
             </a:r>
-            <a:endParaRPr lang="ru-RU" sz="2000" b="1" dirty="0">
-              <a:ea typeface="Arial Unicode MS" panose="020B0604020202020204" pitchFamily="34" charset="-128"/>
-              <a:cs typeface="Arial Unicode MS" panose="020B0604020202020204" pitchFamily="34" charset="-128"/>
-            </a:endParaRPr>
-          </a:p>
-          <a:p>
-            <a:pPr algn="just">
-              <a:lnSpc>
-                <a:spcPct val="150000"/>
-              </a:lnSpc>
+          </a:p>
+          <a:p>
+            <a:pPr marL="457200" indent="-457200">
+              <a:buFont typeface="+mj-lt"/>
+              <a:buAutoNum type="arabicPeriod"/>
             </a:pPr>
             <a:r>
-              <a:rPr lang="en-US" sz="2000" dirty="0" smtClean="0">
-                <a:ea typeface="Arial Unicode MS" panose="020B0604020202020204" pitchFamily="34" charset="-128"/>
-                <a:cs typeface="Arial Unicode MS" panose="020B0604020202020204" pitchFamily="34" charset="-128"/>
-              </a:rPr>
-              <a:t>	</a:t>
-            </a:r>
-            <a:r>
-              <a:rPr lang="uz-Cyrl-UZ" sz="2000" dirty="0" smtClean="0">
-                <a:ea typeface="Arial Unicode MS" panose="020B0604020202020204" pitchFamily="34" charset="-128"/>
-                <a:cs typeface="Arial Unicode MS" panose="020B0604020202020204" pitchFamily="34" charset="-128"/>
-              </a:rPr>
-              <a:t>Hozirda</a:t>
-            </a:r>
-            <a:r>
-              <a:rPr lang="en-US" sz="2000" dirty="0" smtClean="0">
-                <a:ea typeface="Arial Unicode MS" panose="020B0604020202020204" pitchFamily="34" charset="-128"/>
-                <a:cs typeface="Arial Unicode MS" panose="020B0604020202020204" pitchFamily="34" charset="-128"/>
-              </a:rPr>
-              <a:t> </a:t>
-            </a:r>
-            <a:r>
-              <a:rPr lang="en-US" sz="2000" dirty="0" err="1" smtClean="0">
-                <a:ea typeface="Arial Unicode MS" panose="020B0604020202020204" pitchFamily="34" charset="-128"/>
-                <a:cs typeface="Arial Unicode MS" panose="020B0604020202020204" pitchFamily="34" charset="-128"/>
-              </a:rPr>
-              <a:t>tizim</a:t>
-            </a:r>
-            <a:r>
-              <a:rPr lang="en-US" sz="2000" dirty="0" smtClean="0">
-                <a:ea typeface="Arial Unicode MS" panose="020B0604020202020204" pitchFamily="34" charset="-128"/>
-                <a:cs typeface="Arial Unicode MS" panose="020B0604020202020204" pitchFamily="34" charset="-128"/>
-              </a:rPr>
-              <a:t> </a:t>
-            </a:r>
-            <a:r>
-              <a:rPr lang="en-US" sz="2000" dirty="0" err="1" smtClean="0">
-                <a:ea typeface="Arial Unicode MS" panose="020B0604020202020204" pitchFamily="34" charset="-128"/>
-                <a:cs typeface="Arial Unicode MS" panose="020B0604020202020204" pitchFamily="34" charset="-128"/>
-              </a:rPr>
-              <a:t>xavfsizligi</a:t>
-            </a:r>
-            <a:r>
-              <a:rPr lang="en-US" sz="2000" dirty="0" smtClean="0">
-                <a:ea typeface="Arial Unicode MS" panose="020B0604020202020204" pitchFamily="34" charset="-128"/>
-                <a:cs typeface="Arial Unicode MS" panose="020B0604020202020204" pitchFamily="34" charset="-128"/>
-              </a:rPr>
-              <a:t> </a:t>
-            </a:r>
-            <a:r>
-              <a:rPr lang="en-US" sz="2000" dirty="0" err="1" smtClean="0">
-                <a:ea typeface="Arial Unicode MS" panose="020B0604020202020204" pitchFamily="34" charset="-128"/>
-                <a:cs typeface="Arial Unicode MS" panose="020B0604020202020204" pitchFamily="34" charset="-128"/>
-              </a:rPr>
-              <a:t>juda</a:t>
-            </a:r>
-            <a:r>
-              <a:rPr lang="en-US" sz="2000" dirty="0" smtClean="0">
-                <a:ea typeface="Arial Unicode MS" panose="020B0604020202020204" pitchFamily="34" charset="-128"/>
-                <a:cs typeface="Arial Unicode MS" panose="020B0604020202020204" pitchFamily="34" charset="-128"/>
-              </a:rPr>
-              <a:t> </a:t>
-            </a:r>
-            <a:r>
-              <a:rPr lang="en-US" sz="2000" dirty="0" err="1" smtClean="0">
-                <a:ea typeface="Arial Unicode MS" panose="020B0604020202020204" pitchFamily="34" charset="-128"/>
-                <a:cs typeface="Arial Unicode MS" panose="020B0604020202020204" pitchFamily="34" charset="-128"/>
-              </a:rPr>
-              <a:t>muhim</a:t>
-            </a:r>
-            <a:r>
-              <a:rPr lang="en-US" sz="2000" dirty="0" smtClean="0">
-                <a:ea typeface="Arial Unicode MS" panose="020B0604020202020204" pitchFamily="34" charset="-128"/>
-                <a:cs typeface="Arial Unicode MS" panose="020B0604020202020204" pitchFamily="34" charset="-128"/>
-              </a:rPr>
-              <a:t>. </a:t>
-            </a:r>
-            <a:r>
-              <a:rPr lang="en-US" sz="2000" dirty="0" err="1" smtClean="0">
-                <a:ea typeface="Arial Unicode MS" panose="020B0604020202020204" pitchFamily="34" charset="-128"/>
-                <a:cs typeface="Arial Unicode MS" panose="020B0604020202020204" pitchFamily="34" charset="-128"/>
-              </a:rPr>
-              <a:t>Ilovadan</a:t>
-            </a:r>
-            <a:r>
-              <a:rPr lang="en-US" sz="2000" dirty="0" smtClean="0">
-                <a:ea typeface="Arial Unicode MS" panose="020B0604020202020204" pitchFamily="34" charset="-128"/>
-                <a:cs typeface="Arial Unicode MS" panose="020B0604020202020204" pitchFamily="34" charset="-128"/>
-              </a:rPr>
-              <a:t> </a:t>
-            </a:r>
-            <a:r>
-              <a:rPr lang="en-US" sz="2000" dirty="0" err="1" smtClean="0">
-                <a:ea typeface="Arial Unicode MS" panose="020B0604020202020204" pitchFamily="34" charset="-128"/>
-                <a:cs typeface="Arial Unicode MS" panose="020B0604020202020204" pitchFamily="34" charset="-128"/>
-              </a:rPr>
-              <a:t>hamma</a:t>
-            </a:r>
-            <a:r>
-              <a:rPr lang="en-US" sz="2000" dirty="0" smtClean="0">
-                <a:ea typeface="Arial Unicode MS" panose="020B0604020202020204" pitchFamily="34" charset="-128"/>
-                <a:cs typeface="Arial Unicode MS" panose="020B0604020202020204" pitchFamily="34" charset="-128"/>
-              </a:rPr>
-              <a:t> </a:t>
-            </a:r>
-            <a:r>
-              <a:rPr lang="en-US" sz="2000" dirty="0" err="1" smtClean="0">
-                <a:ea typeface="Arial Unicode MS" panose="020B0604020202020204" pitchFamily="34" charset="-128"/>
-                <a:cs typeface="Arial Unicode MS" panose="020B0604020202020204" pitchFamily="34" charset="-128"/>
-              </a:rPr>
-              <a:t>foydalanaversa</a:t>
-            </a:r>
-            <a:r>
-              <a:rPr lang="en-US" sz="2000" dirty="0" smtClean="0">
-                <a:ea typeface="Arial Unicode MS" panose="020B0604020202020204" pitchFamily="34" charset="-128"/>
-                <a:cs typeface="Arial Unicode MS" panose="020B0604020202020204" pitchFamily="34" charset="-128"/>
-              </a:rPr>
-              <a:t>, </a:t>
-            </a:r>
-            <a:r>
-              <a:rPr lang="en-US" sz="2000" dirty="0" err="1" smtClean="0">
-                <a:ea typeface="Arial Unicode MS" panose="020B0604020202020204" pitchFamily="34" charset="-128"/>
-                <a:cs typeface="Arial Unicode MS" panose="020B0604020202020204" pitchFamily="34" charset="-128"/>
-              </a:rPr>
-              <a:t>bu</a:t>
-            </a:r>
-            <a:r>
-              <a:rPr lang="en-US" sz="2000" dirty="0" smtClean="0">
-                <a:ea typeface="Arial Unicode MS" panose="020B0604020202020204" pitchFamily="34" charset="-128"/>
-                <a:cs typeface="Arial Unicode MS" panose="020B0604020202020204" pitchFamily="34" charset="-128"/>
-              </a:rPr>
-              <a:t> </a:t>
-            </a:r>
-            <a:r>
-              <a:rPr lang="en-US" sz="2000" dirty="0" err="1" smtClean="0">
-                <a:ea typeface="Arial Unicode MS" panose="020B0604020202020204" pitchFamily="34" charset="-128"/>
-                <a:cs typeface="Arial Unicode MS" panose="020B0604020202020204" pitchFamily="34" charset="-128"/>
-              </a:rPr>
-              <a:t>tizim</a:t>
-            </a:r>
-            <a:r>
-              <a:rPr lang="en-US" sz="2000" dirty="0" smtClean="0">
-                <a:ea typeface="Arial Unicode MS" panose="020B0604020202020204" pitchFamily="34" charset="-128"/>
-                <a:cs typeface="Arial Unicode MS" panose="020B0604020202020204" pitchFamily="34" charset="-128"/>
-              </a:rPr>
-              <a:t> </a:t>
-            </a:r>
-            <a:r>
-              <a:rPr lang="en-US" sz="2000" dirty="0" err="1" smtClean="0">
-                <a:ea typeface="Arial Unicode MS" panose="020B0604020202020204" pitchFamily="34" charset="-128"/>
-                <a:cs typeface="Arial Unicode MS" panose="020B0604020202020204" pitchFamily="34" charset="-128"/>
-              </a:rPr>
-              <a:t>xavfsiz</a:t>
-            </a:r>
-            <a:r>
-              <a:rPr lang="en-US" sz="2000" dirty="0" smtClean="0">
-                <a:ea typeface="Arial Unicode MS" panose="020B0604020202020204" pitchFamily="34" charset="-128"/>
-                <a:cs typeface="Arial Unicode MS" panose="020B0604020202020204" pitchFamily="34" charset="-128"/>
-              </a:rPr>
-              <a:t> </a:t>
-            </a:r>
-            <a:r>
-              <a:rPr lang="en-US" sz="2000" dirty="0" err="1" smtClean="0">
-                <a:ea typeface="Arial Unicode MS" panose="020B0604020202020204" pitchFamily="34" charset="-128"/>
-                <a:cs typeface="Arial Unicode MS" panose="020B0604020202020204" pitchFamily="34" charset="-128"/>
-              </a:rPr>
-              <a:t>emas</a:t>
-            </a:r>
-            <a:r>
-              <a:rPr lang="en-US" sz="2000" dirty="0" smtClean="0">
-                <a:ea typeface="Arial Unicode MS" panose="020B0604020202020204" pitchFamily="34" charset="-128"/>
-                <a:cs typeface="Arial Unicode MS" panose="020B0604020202020204" pitchFamily="34" charset="-128"/>
-              </a:rPr>
-              <a:t>. </a:t>
-            </a:r>
-            <a:r>
-              <a:rPr lang="en-US" sz="2000" dirty="0" err="1" smtClean="0">
-                <a:ea typeface="Arial Unicode MS" panose="020B0604020202020204" pitchFamily="34" charset="-128"/>
-                <a:cs typeface="Arial Unicode MS" panose="020B0604020202020204" pitchFamily="34" charset="-128"/>
-              </a:rPr>
-              <a:t>Tizimni</a:t>
-            </a:r>
-            <a:r>
-              <a:rPr lang="en-US" sz="2000" dirty="0" smtClean="0">
-                <a:ea typeface="Arial Unicode MS" panose="020B0604020202020204" pitchFamily="34" charset="-128"/>
-                <a:cs typeface="Arial Unicode MS" panose="020B0604020202020204" pitchFamily="34" charset="-128"/>
-              </a:rPr>
-              <a:t> </a:t>
-            </a:r>
-            <a:r>
-              <a:rPr lang="en-US" sz="2000" dirty="0" err="1" smtClean="0">
-                <a:ea typeface="Arial Unicode MS" panose="020B0604020202020204" pitchFamily="34" charset="-128"/>
-                <a:cs typeface="Arial Unicode MS" panose="020B0604020202020204" pitchFamily="34" charset="-128"/>
-              </a:rPr>
-              <a:t>xavfsiz</a:t>
-            </a:r>
-            <a:r>
-              <a:rPr lang="en-US" sz="2000" dirty="0" smtClean="0">
-                <a:ea typeface="Arial Unicode MS" panose="020B0604020202020204" pitchFamily="34" charset="-128"/>
-                <a:cs typeface="Arial Unicode MS" panose="020B0604020202020204" pitchFamily="34" charset="-128"/>
-              </a:rPr>
-              <a:t> </a:t>
-            </a:r>
-            <a:r>
-              <a:rPr lang="en-US" sz="2000" dirty="0" err="1" smtClean="0">
-                <a:ea typeface="Arial Unicode MS" panose="020B0604020202020204" pitchFamily="34" charset="-128"/>
-                <a:cs typeface="Arial Unicode MS" panose="020B0604020202020204" pitchFamily="34" charset="-128"/>
-              </a:rPr>
-              <a:t>qilish</a:t>
-            </a:r>
-            <a:r>
-              <a:rPr lang="en-US" sz="2000" dirty="0" smtClean="0">
-                <a:ea typeface="Arial Unicode MS" panose="020B0604020202020204" pitchFamily="34" charset="-128"/>
-                <a:cs typeface="Arial Unicode MS" panose="020B0604020202020204" pitchFamily="34" charset="-128"/>
-              </a:rPr>
-              <a:t> </a:t>
-            </a:r>
-            <a:r>
-              <a:rPr lang="en-US" sz="2000" dirty="0" err="1" smtClean="0">
-                <a:ea typeface="Arial Unicode MS" panose="020B0604020202020204" pitchFamily="34" charset="-128"/>
-                <a:cs typeface="Arial Unicode MS" panose="020B0604020202020204" pitchFamily="34" charset="-128"/>
-              </a:rPr>
-              <a:t>uchun</a:t>
-            </a:r>
-            <a:r>
-              <a:rPr lang="en-US" sz="2000" dirty="0" smtClean="0">
-                <a:ea typeface="Arial Unicode MS" panose="020B0604020202020204" pitchFamily="34" charset="-128"/>
-                <a:cs typeface="Arial Unicode MS" panose="020B0604020202020204" pitchFamily="34" charset="-128"/>
-              </a:rPr>
-              <a:t> 2 </a:t>
-            </a:r>
-            <a:r>
-              <a:rPr lang="en-US" sz="2000" dirty="0" err="1" smtClean="0">
-                <a:ea typeface="Arial Unicode MS" panose="020B0604020202020204" pitchFamily="34" charset="-128"/>
-                <a:cs typeface="Arial Unicode MS" panose="020B0604020202020204" pitchFamily="34" charset="-128"/>
-              </a:rPr>
-              <a:t>faktorli</a:t>
-            </a:r>
-            <a:r>
-              <a:rPr lang="en-US" sz="2000" dirty="0" smtClean="0">
-                <a:ea typeface="Arial Unicode MS" panose="020B0604020202020204" pitchFamily="34" charset="-128"/>
-                <a:cs typeface="Arial Unicode MS" panose="020B0604020202020204" pitchFamily="34" charset="-128"/>
-              </a:rPr>
-              <a:t> </a:t>
-            </a:r>
-            <a:r>
-              <a:rPr lang="en-US" sz="2000" dirty="0" err="1" smtClean="0">
-                <a:ea typeface="Arial Unicode MS" panose="020B0604020202020204" pitchFamily="34" charset="-128"/>
-                <a:cs typeface="Arial Unicode MS" panose="020B0604020202020204" pitchFamily="34" charset="-128"/>
-              </a:rPr>
-              <a:t>avtorizatsiyani</a:t>
-            </a:r>
-            <a:r>
-              <a:rPr lang="en-US" sz="2000" dirty="0" smtClean="0">
-                <a:ea typeface="Arial Unicode MS" panose="020B0604020202020204" pitchFamily="34" charset="-128"/>
-                <a:cs typeface="Arial Unicode MS" panose="020B0604020202020204" pitchFamily="34" charset="-128"/>
-              </a:rPr>
-              <a:t> </a:t>
-            </a:r>
-            <a:r>
-              <a:rPr lang="en-US" sz="2000" dirty="0" err="1" smtClean="0">
-                <a:ea typeface="Arial Unicode MS" panose="020B0604020202020204" pitchFamily="34" charset="-128"/>
-                <a:cs typeface="Arial Unicode MS" panose="020B0604020202020204" pitchFamily="34" charset="-128"/>
-              </a:rPr>
-              <a:t>qo‘llashni</a:t>
-            </a:r>
-            <a:r>
-              <a:rPr lang="en-US" sz="2000" dirty="0" smtClean="0">
-                <a:ea typeface="Arial Unicode MS" panose="020B0604020202020204" pitchFamily="34" charset="-128"/>
-                <a:cs typeface="Arial Unicode MS" panose="020B0604020202020204" pitchFamily="34" charset="-128"/>
-              </a:rPr>
-              <a:t> </a:t>
-            </a:r>
-            <a:r>
-              <a:rPr lang="en-US" sz="2000" dirty="0" err="1" smtClean="0">
-                <a:ea typeface="Arial Unicode MS" panose="020B0604020202020204" pitchFamily="34" charset="-128"/>
-                <a:cs typeface="Arial Unicode MS" panose="020B0604020202020204" pitchFamily="34" charset="-128"/>
-              </a:rPr>
-              <a:t>bilishimiz</a:t>
-            </a:r>
-            <a:r>
-              <a:rPr lang="en-US" sz="2000" dirty="0" smtClean="0">
-                <a:ea typeface="Arial Unicode MS" panose="020B0604020202020204" pitchFamily="34" charset="-128"/>
-                <a:cs typeface="Arial Unicode MS" panose="020B0604020202020204" pitchFamily="34" charset="-128"/>
-              </a:rPr>
-              <a:t>  </a:t>
-            </a:r>
-            <a:r>
-              <a:rPr lang="en-US" sz="2000" dirty="0" err="1" smtClean="0">
-                <a:ea typeface="Arial Unicode MS" panose="020B0604020202020204" pitchFamily="34" charset="-128"/>
-                <a:cs typeface="Arial Unicode MS" panose="020B0604020202020204" pitchFamily="34" charset="-128"/>
-              </a:rPr>
-              <a:t>lozim</a:t>
-            </a:r>
-            <a:r>
-              <a:rPr lang="en-US" sz="2000" dirty="0" smtClean="0">
-                <a:ea typeface="Arial Unicode MS" panose="020B0604020202020204" pitchFamily="34" charset="-128"/>
-                <a:cs typeface="Arial Unicode MS" panose="020B0604020202020204" pitchFamily="34" charset="-128"/>
-              </a:rPr>
-              <a:t>. Biz </a:t>
-            </a:r>
-            <a:r>
-              <a:rPr lang="en-US" sz="2000" dirty="0" err="1" smtClean="0">
-                <a:ea typeface="Arial Unicode MS" panose="020B0604020202020204" pitchFamily="34" charset="-128"/>
-                <a:cs typeface="Arial Unicode MS" panose="020B0604020202020204" pitchFamily="34" charset="-128"/>
-              </a:rPr>
-              <a:t>tizimni</a:t>
-            </a:r>
-            <a:r>
-              <a:rPr lang="en-US" sz="2000" dirty="0" smtClean="0">
-                <a:ea typeface="Arial Unicode MS" panose="020B0604020202020204" pitchFamily="34" charset="-128"/>
-                <a:cs typeface="Arial Unicode MS" panose="020B0604020202020204" pitchFamily="34" charset="-128"/>
-              </a:rPr>
-              <a:t> </a:t>
-            </a:r>
-            <a:r>
-              <a:rPr lang="en-US" sz="2000" dirty="0" err="1" smtClean="0">
-                <a:ea typeface="Arial Unicode MS" panose="020B0604020202020204" pitchFamily="34" charset="-128"/>
-                <a:cs typeface="Arial Unicode MS" panose="020B0604020202020204" pitchFamily="34" charset="-128"/>
-              </a:rPr>
-              <a:t>xavfsiz</a:t>
-            </a:r>
-            <a:r>
-              <a:rPr lang="en-US" sz="2000" dirty="0" smtClean="0">
-                <a:ea typeface="Arial Unicode MS" panose="020B0604020202020204" pitchFamily="34" charset="-128"/>
-                <a:cs typeface="Arial Unicode MS" panose="020B0604020202020204" pitchFamily="34" charset="-128"/>
-              </a:rPr>
-              <a:t> </a:t>
-            </a:r>
-            <a:r>
-              <a:rPr lang="en-US" sz="2000" dirty="0" err="1" smtClean="0">
-                <a:ea typeface="Arial Unicode MS" panose="020B0604020202020204" pitchFamily="34" charset="-128"/>
-                <a:cs typeface="Arial Unicode MS" panose="020B0604020202020204" pitchFamily="34" charset="-128"/>
-              </a:rPr>
-              <a:t>qilsak</a:t>
-            </a:r>
-            <a:r>
-              <a:rPr lang="en-US" sz="2000" dirty="0" smtClean="0">
-                <a:ea typeface="Arial Unicode MS" panose="020B0604020202020204" pitchFamily="34" charset="-128"/>
-                <a:cs typeface="Arial Unicode MS" panose="020B0604020202020204" pitchFamily="34" charset="-128"/>
-              </a:rPr>
-              <a:t>, </a:t>
-            </a:r>
-            <a:r>
-              <a:rPr lang="en-US" sz="2000" dirty="0" err="1" smtClean="0">
-                <a:ea typeface="Arial Unicode MS" panose="020B0604020202020204" pitchFamily="34" charset="-128"/>
-                <a:cs typeface="Arial Unicode MS" panose="020B0604020202020204" pitchFamily="34" charset="-128"/>
-              </a:rPr>
-              <a:t>ilovada</a:t>
-            </a:r>
-            <a:r>
-              <a:rPr lang="en-US" sz="2000" dirty="0" smtClean="0">
-                <a:ea typeface="Arial Unicode MS" panose="020B0604020202020204" pitchFamily="34" charset="-128"/>
-                <a:cs typeface="Arial Unicode MS" panose="020B0604020202020204" pitchFamily="34" charset="-128"/>
-              </a:rPr>
-              <a:t> </a:t>
-            </a:r>
-            <a:r>
-              <a:rPr lang="en-US" sz="2000" dirty="0" err="1" smtClean="0">
-                <a:ea typeface="Arial Unicode MS" panose="020B0604020202020204" pitchFamily="34" charset="-128"/>
-                <a:cs typeface="Arial Unicode MS" panose="020B0604020202020204" pitchFamily="34" charset="-128"/>
-              </a:rPr>
-              <a:t>qalbaki</a:t>
-            </a:r>
-            <a:r>
-              <a:rPr lang="en-US" sz="2000" dirty="0" smtClean="0">
-                <a:ea typeface="Arial Unicode MS" panose="020B0604020202020204" pitchFamily="34" charset="-128"/>
-                <a:cs typeface="Arial Unicode MS" panose="020B0604020202020204" pitchFamily="34" charset="-128"/>
-              </a:rPr>
-              <a:t> </a:t>
-            </a:r>
-            <a:r>
-              <a:rPr lang="en-US" sz="2000" dirty="0" err="1" smtClean="0">
-                <a:ea typeface="Arial Unicode MS" panose="020B0604020202020204" pitchFamily="34" charset="-128"/>
-                <a:cs typeface="Arial Unicode MS" panose="020B0604020202020204" pitchFamily="34" charset="-128"/>
-              </a:rPr>
-              <a:t>foydalanuvchilar</a:t>
-            </a:r>
-            <a:r>
-              <a:rPr lang="en-US" sz="2000" dirty="0" smtClean="0">
-                <a:ea typeface="Arial Unicode MS" panose="020B0604020202020204" pitchFamily="34" charset="-128"/>
-                <a:cs typeface="Arial Unicode MS" panose="020B0604020202020204" pitchFamily="34" charset="-128"/>
-              </a:rPr>
-              <a:t>  </a:t>
-            </a:r>
-            <a:r>
-              <a:rPr lang="en-US" sz="2000" dirty="0" err="1" smtClean="0">
-                <a:ea typeface="Arial Unicode MS" panose="020B0604020202020204" pitchFamily="34" charset="-128"/>
-                <a:cs typeface="Arial Unicode MS" panose="020B0604020202020204" pitchFamily="34" charset="-128"/>
-              </a:rPr>
-              <a:t>bo‘lmasligi</a:t>
-            </a:r>
-            <a:r>
-              <a:rPr lang="en-US" sz="2000" dirty="0" smtClean="0">
-                <a:ea typeface="Arial Unicode MS" panose="020B0604020202020204" pitchFamily="34" charset="-128"/>
-                <a:cs typeface="Arial Unicode MS" panose="020B0604020202020204" pitchFamily="34" charset="-128"/>
-              </a:rPr>
-              <a:t>, </a:t>
-            </a:r>
-            <a:r>
-              <a:rPr lang="en-US" sz="2000" dirty="0" err="1" smtClean="0">
-                <a:ea typeface="Arial Unicode MS" panose="020B0604020202020204" pitchFamily="34" charset="-128"/>
-                <a:cs typeface="Arial Unicode MS" panose="020B0604020202020204" pitchFamily="34" charset="-128"/>
-              </a:rPr>
-              <a:t>foydalanuvchi</a:t>
-            </a:r>
-            <a:r>
-              <a:rPr lang="en-US" sz="2000" dirty="0" smtClean="0">
-                <a:ea typeface="Arial Unicode MS" panose="020B0604020202020204" pitchFamily="34" charset="-128"/>
-                <a:cs typeface="Arial Unicode MS" panose="020B0604020202020204" pitchFamily="34" charset="-128"/>
-              </a:rPr>
-              <a:t> </a:t>
-            </a:r>
-            <a:r>
-              <a:rPr lang="en-US" sz="2000" dirty="0" err="1" smtClean="0">
-                <a:ea typeface="Arial Unicode MS" panose="020B0604020202020204" pitchFamily="34" charset="-128"/>
-                <a:cs typeface="Arial Unicode MS" panose="020B0604020202020204" pitchFamily="34" charset="-128"/>
-              </a:rPr>
-              <a:t>uchun</a:t>
-            </a:r>
-            <a:r>
-              <a:rPr lang="en-US" sz="2000" dirty="0" smtClean="0">
-                <a:ea typeface="Arial Unicode MS" panose="020B0604020202020204" pitchFamily="34" charset="-128"/>
-                <a:cs typeface="Arial Unicode MS" panose="020B0604020202020204" pitchFamily="34" charset="-128"/>
-              </a:rPr>
-              <a:t> </a:t>
-            </a:r>
-            <a:r>
-              <a:rPr lang="en-US" sz="2000" dirty="0" err="1" smtClean="0">
-                <a:ea typeface="Arial Unicode MS" panose="020B0604020202020204" pitchFamily="34" charset="-128"/>
-                <a:cs typeface="Arial Unicode MS" panose="020B0604020202020204" pitchFamily="34" charset="-128"/>
-              </a:rPr>
-              <a:t>tizim</a:t>
-            </a:r>
-            <a:r>
-              <a:rPr lang="en-US" sz="2000" dirty="0" smtClean="0">
-                <a:ea typeface="Arial Unicode MS" panose="020B0604020202020204" pitchFamily="34" charset="-128"/>
-                <a:cs typeface="Arial Unicode MS" panose="020B0604020202020204" pitchFamily="34" charset="-128"/>
-              </a:rPr>
-              <a:t> </a:t>
-            </a:r>
-            <a:r>
-              <a:rPr lang="en-US" sz="2000" dirty="0" err="1" smtClean="0">
-                <a:ea typeface="Arial Unicode MS" panose="020B0604020202020204" pitchFamily="34" charset="-128"/>
-                <a:cs typeface="Arial Unicode MS" panose="020B0604020202020204" pitchFamily="34" charset="-128"/>
-              </a:rPr>
-              <a:t>xavfsizligi</a:t>
-            </a:r>
-            <a:r>
-              <a:rPr lang="en-US" sz="2000" dirty="0">
-                <a:ea typeface="Arial Unicode MS" panose="020B0604020202020204" pitchFamily="34" charset="-128"/>
-                <a:cs typeface="Arial Unicode MS" panose="020B0604020202020204" pitchFamily="34" charset="-128"/>
-              </a:rPr>
-              <a:t> </a:t>
-            </a:r>
-            <a:r>
-              <a:rPr lang="en-US" sz="2000" dirty="0" err="1" smtClean="0">
-                <a:ea typeface="Arial Unicode MS" panose="020B0604020202020204" pitchFamily="34" charset="-128"/>
-                <a:cs typeface="Arial Unicode MS" panose="020B0604020202020204" pitchFamily="34" charset="-128"/>
-              </a:rPr>
-              <a:t>erishamiz</a:t>
-            </a:r>
-            <a:r>
-              <a:rPr lang="en-US" sz="2000" dirty="0" smtClean="0">
-                <a:ea typeface="Arial Unicode MS" panose="020B0604020202020204" pitchFamily="34" charset="-128"/>
-                <a:cs typeface="Arial Unicode MS" panose="020B0604020202020204" pitchFamily="34" charset="-128"/>
-              </a:rPr>
-              <a:t>. </a:t>
-            </a:r>
-            <a:r>
-              <a:rPr lang="en-US" sz="2000" dirty="0" err="1" smtClean="0">
-                <a:ea typeface="Arial Unicode MS" panose="020B0604020202020204" pitchFamily="34" charset="-128"/>
-                <a:cs typeface="Arial Unicode MS" panose="020B0604020202020204" pitchFamily="34" charset="-128"/>
-              </a:rPr>
-              <a:t>Bundan</a:t>
-            </a:r>
-            <a:r>
-              <a:rPr lang="en-US" sz="2000" dirty="0" smtClean="0">
-                <a:ea typeface="Arial Unicode MS" panose="020B0604020202020204" pitchFamily="34" charset="-128"/>
-                <a:cs typeface="Arial Unicode MS" panose="020B0604020202020204" pitchFamily="34" charset="-128"/>
-              </a:rPr>
-              <a:t> </a:t>
-            </a:r>
-            <a:r>
-              <a:rPr lang="en-US" sz="2000" dirty="0" err="1" smtClean="0">
-                <a:ea typeface="Arial Unicode MS" panose="020B0604020202020204" pitchFamily="34" charset="-128"/>
-                <a:cs typeface="Arial Unicode MS" panose="020B0604020202020204" pitchFamily="34" charset="-128"/>
-              </a:rPr>
-              <a:t>tashqari</a:t>
-            </a:r>
-            <a:r>
-              <a:rPr lang="en-US" sz="2000" dirty="0" smtClean="0">
-                <a:ea typeface="Arial Unicode MS" panose="020B0604020202020204" pitchFamily="34" charset="-128"/>
-                <a:cs typeface="Arial Unicode MS" panose="020B0604020202020204" pitchFamily="34" charset="-128"/>
-              </a:rPr>
-              <a:t> </a:t>
-            </a:r>
-            <a:r>
-              <a:rPr lang="en-US" sz="2000" dirty="0" err="1" smtClean="0">
-                <a:ea typeface="Arial Unicode MS" panose="020B0604020202020204" pitchFamily="34" charset="-128"/>
-                <a:cs typeface="Arial Unicode MS" panose="020B0604020202020204" pitchFamily="34" charset="-128"/>
-              </a:rPr>
-              <a:t>foydalanuvchi</a:t>
-            </a:r>
-            <a:r>
-              <a:rPr lang="en-US" sz="2000" dirty="0" smtClean="0">
-                <a:ea typeface="Arial Unicode MS" panose="020B0604020202020204" pitchFamily="34" charset="-128"/>
-                <a:cs typeface="Arial Unicode MS" panose="020B0604020202020204" pitchFamily="34" charset="-128"/>
-              </a:rPr>
-              <a:t> </a:t>
-            </a:r>
-            <a:r>
-              <a:rPr lang="en-US" sz="2000" dirty="0" err="1" smtClean="0">
-                <a:ea typeface="Arial Unicode MS" panose="020B0604020202020204" pitchFamily="34" charset="-128"/>
-                <a:cs typeface="Arial Unicode MS" panose="020B0604020202020204" pitchFamily="34" charset="-128"/>
-              </a:rPr>
-              <a:t>uchun</a:t>
-            </a:r>
-            <a:r>
-              <a:rPr lang="en-US" sz="2000" dirty="0" smtClean="0">
-                <a:ea typeface="Arial Unicode MS" panose="020B0604020202020204" pitchFamily="34" charset="-128"/>
-                <a:cs typeface="Arial Unicode MS" panose="020B0604020202020204" pitchFamily="34" charset="-128"/>
-              </a:rPr>
-              <a:t> </a:t>
-            </a:r>
-            <a:r>
-              <a:rPr lang="en-US" sz="2000" dirty="0" err="1" smtClean="0">
-                <a:ea typeface="Arial Unicode MS" panose="020B0604020202020204" pitchFamily="34" charset="-128"/>
-                <a:cs typeface="Arial Unicode MS" panose="020B0604020202020204" pitchFamily="34" charset="-128"/>
-              </a:rPr>
-              <a:t>qulay</a:t>
-            </a:r>
-            <a:r>
-              <a:rPr lang="en-US" sz="2000" dirty="0" smtClean="0">
-                <a:ea typeface="Arial Unicode MS" panose="020B0604020202020204" pitchFamily="34" charset="-128"/>
-                <a:cs typeface="Arial Unicode MS" panose="020B0604020202020204" pitchFamily="34" charset="-128"/>
-              </a:rPr>
-              <a:t> </a:t>
-            </a:r>
-            <a:r>
-              <a:rPr lang="en-US" sz="2000" dirty="0" err="1" smtClean="0">
-                <a:ea typeface="Arial Unicode MS" panose="020B0604020202020204" pitchFamily="34" charset="-128"/>
-                <a:cs typeface="Arial Unicode MS" panose="020B0604020202020204" pitchFamily="34" charset="-128"/>
-              </a:rPr>
-              <a:t>interfeys</a:t>
-            </a:r>
-            <a:r>
-              <a:rPr lang="en-US" sz="2000" dirty="0" smtClean="0">
-                <a:ea typeface="Arial Unicode MS" panose="020B0604020202020204" pitchFamily="34" charset="-128"/>
-                <a:cs typeface="Arial Unicode MS" panose="020B0604020202020204" pitchFamily="34" charset="-128"/>
-              </a:rPr>
-              <a:t> </a:t>
-            </a:r>
-            <a:r>
-              <a:rPr lang="en-US" sz="2000" dirty="0" err="1" smtClean="0">
-                <a:ea typeface="Arial Unicode MS" panose="020B0604020202020204" pitchFamily="34" charset="-128"/>
-                <a:cs typeface="Arial Unicode MS" panose="020B0604020202020204" pitchFamily="34" charset="-128"/>
-              </a:rPr>
-              <a:t>qilishimiz</a:t>
-            </a:r>
-            <a:r>
-              <a:rPr lang="en-US" sz="2000" dirty="0" smtClean="0">
-                <a:ea typeface="Arial Unicode MS" panose="020B0604020202020204" pitchFamily="34" charset="-128"/>
-                <a:cs typeface="Arial Unicode MS" panose="020B0604020202020204" pitchFamily="34" charset="-128"/>
-              </a:rPr>
-              <a:t> </a:t>
-            </a:r>
-            <a:r>
-              <a:rPr lang="en-US" sz="2000" dirty="0" err="1" smtClean="0">
-                <a:ea typeface="Arial Unicode MS" panose="020B0604020202020204" pitchFamily="34" charset="-128"/>
-                <a:cs typeface="Arial Unicode MS" panose="020B0604020202020204" pitchFamily="34" charset="-128"/>
-              </a:rPr>
-              <a:t>kerak</a:t>
-            </a:r>
-            <a:r>
-              <a:rPr lang="en-US" sz="2000" dirty="0" smtClean="0">
-                <a:ea typeface="Arial Unicode MS" panose="020B0604020202020204" pitchFamily="34" charset="-128"/>
-                <a:cs typeface="Arial Unicode MS" panose="020B0604020202020204" pitchFamily="34" charset="-128"/>
-              </a:rPr>
-              <a:t>. </a:t>
-            </a:r>
-            <a:r>
-              <a:rPr lang="en-US" sz="2000" dirty="0" err="1" smtClean="0">
-                <a:ea typeface="Arial Unicode MS" panose="020B0604020202020204" pitchFamily="34" charset="-128"/>
-                <a:cs typeface="Arial Unicode MS" panose="020B0604020202020204" pitchFamily="34" charset="-128"/>
-              </a:rPr>
-              <a:t>Yaratgan</a:t>
-            </a:r>
-            <a:r>
-              <a:rPr lang="en-US" sz="2000" dirty="0" smtClean="0">
-                <a:ea typeface="Arial Unicode MS" panose="020B0604020202020204" pitchFamily="34" charset="-128"/>
-                <a:cs typeface="Arial Unicode MS" panose="020B0604020202020204" pitchFamily="34" charset="-128"/>
-              </a:rPr>
-              <a:t> </a:t>
-            </a:r>
-            <a:r>
-              <a:rPr lang="en-US" sz="2000" dirty="0" err="1" smtClean="0">
-                <a:ea typeface="Arial Unicode MS" panose="020B0604020202020204" pitchFamily="34" charset="-128"/>
-                <a:cs typeface="Arial Unicode MS" panose="020B0604020202020204" pitchFamily="34" charset="-128"/>
-              </a:rPr>
-              <a:t>ilovamiz</a:t>
-            </a:r>
-            <a:r>
-              <a:rPr lang="en-US" sz="2000" dirty="0" smtClean="0">
-                <a:ea typeface="Arial Unicode MS" panose="020B0604020202020204" pitchFamily="34" charset="-128"/>
-                <a:cs typeface="Arial Unicode MS" panose="020B0604020202020204" pitchFamily="34" charset="-128"/>
-              </a:rPr>
-              <a:t> </a:t>
-            </a:r>
-            <a:r>
-              <a:rPr lang="en-US" sz="2000" dirty="0" err="1" smtClean="0">
-                <a:ea typeface="Arial Unicode MS" panose="020B0604020202020204" pitchFamily="34" charset="-128"/>
-                <a:cs typeface="Arial Unicode MS" panose="020B0604020202020204" pitchFamily="34" charset="-128"/>
-              </a:rPr>
-              <a:t>har</a:t>
-            </a:r>
-            <a:r>
-              <a:rPr lang="en-US" sz="2000" dirty="0" smtClean="0">
-                <a:ea typeface="Arial Unicode MS" panose="020B0604020202020204" pitchFamily="34" charset="-128"/>
-                <a:cs typeface="Arial Unicode MS" panose="020B0604020202020204" pitchFamily="34" charset="-128"/>
-              </a:rPr>
-              <a:t> </a:t>
-            </a:r>
-            <a:r>
-              <a:rPr lang="en-US" sz="2000" dirty="0" err="1" smtClean="0">
-                <a:ea typeface="Arial Unicode MS" panose="020B0604020202020204" pitchFamily="34" charset="-128"/>
-                <a:cs typeface="Arial Unicode MS" panose="020B0604020202020204" pitchFamily="34" charset="-128"/>
-              </a:rPr>
-              <a:t>qanday</a:t>
-            </a:r>
-            <a:r>
-              <a:rPr lang="en-US" sz="2000" dirty="0" smtClean="0">
-                <a:ea typeface="Arial Unicode MS" panose="020B0604020202020204" pitchFamily="34" charset="-128"/>
-                <a:cs typeface="Arial Unicode MS" panose="020B0604020202020204" pitchFamily="34" charset="-128"/>
-              </a:rPr>
-              <a:t> </a:t>
-            </a:r>
-            <a:r>
-              <a:rPr lang="en-US" sz="2000" dirty="0" err="1" smtClean="0">
-                <a:ea typeface="Arial Unicode MS" panose="020B0604020202020204" pitchFamily="34" charset="-128"/>
-                <a:cs typeface="Arial Unicode MS" panose="020B0604020202020204" pitchFamily="34" charset="-128"/>
-              </a:rPr>
-              <a:t>dasturiy</a:t>
-            </a:r>
-            <a:r>
-              <a:rPr lang="en-US" sz="2000" dirty="0" smtClean="0">
-                <a:ea typeface="Arial Unicode MS" panose="020B0604020202020204" pitchFamily="34" charset="-128"/>
-                <a:cs typeface="Arial Unicode MS" panose="020B0604020202020204" pitchFamily="34" charset="-128"/>
-              </a:rPr>
-              <a:t> </a:t>
-            </a:r>
-            <a:r>
-              <a:rPr lang="en-US" sz="2000" dirty="0" err="1" smtClean="0">
-                <a:ea typeface="Arial Unicode MS" panose="020B0604020202020204" pitchFamily="34" charset="-128"/>
-                <a:cs typeface="Arial Unicode MS" panose="020B0604020202020204" pitchFamily="34" charset="-128"/>
-              </a:rPr>
-              <a:t>ta’minot</a:t>
-            </a:r>
-            <a:r>
-              <a:rPr lang="en-US" sz="2000" dirty="0" smtClean="0">
-                <a:ea typeface="Arial Unicode MS" panose="020B0604020202020204" pitchFamily="34" charset="-128"/>
-                <a:cs typeface="Arial Unicode MS" panose="020B0604020202020204" pitchFamily="34" charset="-128"/>
-              </a:rPr>
-              <a:t> </a:t>
-            </a:r>
-            <a:r>
-              <a:rPr lang="en-US" sz="2000" dirty="0" err="1" smtClean="0">
-                <a:ea typeface="Arial Unicode MS" panose="020B0604020202020204" pitchFamily="34" charset="-128"/>
-                <a:cs typeface="Arial Unicode MS" panose="020B0604020202020204" pitchFamily="34" charset="-128"/>
-              </a:rPr>
-              <a:t>uchun</a:t>
-            </a:r>
-            <a:r>
-              <a:rPr lang="en-US" sz="2000" dirty="0" smtClean="0">
-                <a:ea typeface="Arial Unicode MS" panose="020B0604020202020204" pitchFamily="34" charset="-128"/>
-                <a:cs typeface="Arial Unicode MS" panose="020B0604020202020204" pitchFamily="34" charset="-128"/>
-              </a:rPr>
-              <a:t> </a:t>
-            </a:r>
-            <a:r>
-              <a:rPr lang="en-US" sz="2000" dirty="0" err="1" smtClean="0">
-                <a:ea typeface="Arial Unicode MS" panose="020B0604020202020204" pitchFamily="34" charset="-128"/>
-                <a:cs typeface="Arial Unicode MS" panose="020B0604020202020204" pitchFamily="34" charset="-128"/>
-              </a:rPr>
-              <a:t>ishlay</a:t>
-            </a:r>
-            <a:r>
-              <a:rPr lang="en-US" sz="2000" dirty="0" smtClean="0">
-                <a:ea typeface="Arial Unicode MS" panose="020B0604020202020204" pitchFamily="34" charset="-128"/>
-                <a:cs typeface="Arial Unicode MS" panose="020B0604020202020204" pitchFamily="34" charset="-128"/>
-              </a:rPr>
-              <a:t> </a:t>
-            </a:r>
-            <a:r>
-              <a:rPr lang="en-US" sz="2000" dirty="0" err="1" smtClean="0">
-                <a:ea typeface="Arial Unicode MS" panose="020B0604020202020204" pitchFamily="34" charset="-128"/>
-                <a:cs typeface="Arial Unicode MS" panose="020B0604020202020204" pitchFamily="34" charset="-128"/>
-              </a:rPr>
-              <a:t>olishi</a:t>
-            </a:r>
-            <a:r>
-              <a:rPr lang="en-US" sz="2000" dirty="0" smtClean="0">
-                <a:ea typeface="Arial Unicode MS" panose="020B0604020202020204" pitchFamily="34" charset="-128"/>
-                <a:cs typeface="Arial Unicode MS" panose="020B0604020202020204" pitchFamily="34" charset="-128"/>
-              </a:rPr>
-              <a:t> </a:t>
-            </a:r>
-            <a:r>
-              <a:rPr lang="en-US" sz="2000" dirty="0" err="1" smtClean="0">
-                <a:ea typeface="Arial Unicode MS" panose="020B0604020202020204" pitchFamily="34" charset="-128"/>
-                <a:cs typeface="Arial Unicode MS" panose="020B0604020202020204" pitchFamily="34" charset="-128"/>
-              </a:rPr>
-              <a:t>kerak</a:t>
-            </a:r>
-            <a:r>
-              <a:rPr lang="en-US" sz="2000" dirty="0" smtClean="0">
-                <a:ea typeface="Arial Unicode MS" panose="020B0604020202020204" pitchFamily="34" charset="-128"/>
-                <a:cs typeface="Arial Unicode MS" panose="020B0604020202020204" pitchFamily="34" charset="-128"/>
-              </a:rPr>
-              <a:t>. Web </a:t>
-            </a:r>
-            <a:r>
-              <a:rPr lang="en-US" sz="2000" dirty="0" err="1" smtClean="0">
-                <a:ea typeface="Arial Unicode MS" panose="020B0604020202020204" pitchFamily="34" charset="-128"/>
-                <a:cs typeface="Arial Unicode MS" panose="020B0604020202020204" pitchFamily="34" charset="-128"/>
-              </a:rPr>
-              <a:t>ilovani</a:t>
-            </a:r>
-            <a:r>
-              <a:rPr lang="en-US" sz="2000" dirty="0" smtClean="0">
-                <a:ea typeface="Arial Unicode MS" panose="020B0604020202020204" pitchFamily="34" charset="-128"/>
-                <a:cs typeface="Arial Unicode MS" panose="020B0604020202020204" pitchFamily="34" charset="-128"/>
-              </a:rPr>
-              <a:t> </a:t>
-            </a:r>
-            <a:r>
-              <a:rPr lang="en-US" sz="2000" dirty="0" err="1" smtClean="0">
-                <a:ea typeface="Arial Unicode MS" panose="020B0604020202020204" pitchFamily="34" charset="-128"/>
-                <a:cs typeface="Arial Unicode MS" panose="020B0604020202020204" pitchFamily="34" charset="-128"/>
-              </a:rPr>
-              <a:t>yaratish</a:t>
-            </a:r>
-            <a:r>
-              <a:rPr lang="en-US" sz="2000" dirty="0" smtClean="0">
-                <a:ea typeface="Arial Unicode MS" panose="020B0604020202020204" pitchFamily="34" charset="-128"/>
-                <a:cs typeface="Arial Unicode MS" panose="020B0604020202020204" pitchFamily="34" charset="-128"/>
-              </a:rPr>
-              <a:t> </a:t>
-            </a:r>
-            <a:r>
-              <a:rPr lang="en-US" sz="2000" dirty="0" err="1" smtClean="0">
-                <a:ea typeface="Arial Unicode MS" panose="020B0604020202020204" pitchFamily="34" charset="-128"/>
-                <a:cs typeface="Arial Unicode MS" panose="020B0604020202020204" pitchFamily="34" charset="-128"/>
-              </a:rPr>
-              <a:t>davomida</a:t>
-            </a:r>
-            <a:r>
-              <a:rPr lang="en-US" sz="2000" dirty="0" smtClean="0">
-                <a:ea typeface="Arial Unicode MS" panose="020B0604020202020204" pitchFamily="34" charset="-128"/>
-                <a:cs typeface="Arial Unicode MS" panose="020B0604020202020204" pitchFamily="34" charset="-128"/>
-              </a:rPr>
-              <a:t> PHP </a:t>
-            </a:r>
-            <a:r>
-              <a:rPr lang="en-US" sz="2000" dirty="0" err="1" smtClean="0">
-                <a:ea typeface="Arial Unicode MS" panose="020B0604020202020204" pitchFamily="34" charset="-128"/>
-                <a:cs typeface="Arial Unicode MS" panose="020B0604020202020204" pitchFamily="34" charset="-128"/>
-              </a:rPr>
-              <a:t>dasturlash</a:t>
-            </a:r>
-            <a:r>
-              <a:rPr lang="en-US" sz="2000" dirty="0" smtClean="0">
-                <a:ea typeface="Arial Unicode MS" panose="020B0604020202020204" pitchFamily="34" charset="-128"/>
-                <a:cs typeface="Arial Unicode MS" panose="020B0604020202020204" pitchFamily="34" charset="-128"/>
-              </a:rPr>
-              <a:t> </a:t>
-            </a:r>
-            <a:r>
-              <a:rPr lang="en-US" sz="2000" dirty="0" err="1" smtClean="0">
-                <a:ea typeface="Arial Unicode MS" panose="020B0604020202020204" pitchFamily="34" charset="-128"/>
-                <a:cs typeface="Arial Unicode MS" panose="020B0604020202020204" pitchFamily="34" charset="-128"/>
-              </a:rPr>
-              <a:t>tilida</a:t>
-            </a:r>
-            <a:r>
-              <a:rPr lang="en-US" sz="2000" dirty="0" smtClean="0">
-                <a:ea typeface="Arial Unicode MS" panose="020B0604020202020204" pitchFamily="34" charset="-128"/>
-                <a:cs typeface="Arial Unicode MS" panose="020B0604020202020204" pitchFamily="34" charset="-128"/>
-              </a:rPr>
-              <a:t> 2 </a:t>
-            </a:r>
-            <a:r>
-              <a:rPr lang="en-US" sz="2000" dirty="0" err="1" smtClean="0">
-                <a:ea typeface="Arial Unicode MS" panose="020B0604020202020204" pitchFamily="34" charset="-128"/>
-                <a:cs typeface="Arial Unicode MS" panose="020B0604020202020204" pitchFamily="34" charset="-128"/>
-              </a:rPr>
-              <a:t>faktorli</a:t>
-            </a:r>
-            <a:r>
-              <a:rPr lang="en-US" sz="2000" dirty="0" smtClean="0">
-                <a:ea typeface="Arial Unicode MS" panose="020B0604020202020204" pitchFamily="34" charset="-128"/>
-                <a:cs typeface="Arial Unicode MS" panose="020B0604020202020204" pitchFamily="34" charset="-128"/>
-              </a:rPr>
-              <a:t> </a:t>
-            </a:r>
-            <a:r>
-              <a:rPr lang="en-US" sz="2000" dirty="0" err="1" smtClean="0">
-                <a:ea typeface="Arial Unicode MS" panose="020B0604020202020204" pitchFamily="34" charset="-128"/>
-                <a:cs typeface="Arial Unicode MS" panose="020B0604020202020204" pitchFamily="34" charset="-128"/>
-              </a:rPr>
-              <a:t>avtorizatsiya</a:t>
-            </a:r>
-            <a:r>
-              <a:rPr lang="en-US" sz="2000" dirty="0">
-                <a:ea typeface="Arial Unicode MS" panose="020B0604020202020204" pitchFamily="34" charset="-128"/>
-                <a:cs typeface="Arial Unicode MS" panose="020B0604020202020204" pitchFamily="34" charset="-128"/>
-              </a:rPr>
-              <a:t> </a:t>
-            </a:r>
-            <a:r>
-              <a:rPr lang="en-US" sz="2000" dirty="0" err="1" smtClean="0">
-                <a:ea typeface="Arial Unicode MS" panose="020B0604020202020204" pitchFamily="34" charset="-128"/>
-                <a:cs typeface="Arial Unicode MS" panose="020B0604020202020204" pitchFamily="34" charset="-128"/>
-              </a:rPr>
-              <a:t>qilish</a:t>
-            </a:r>
-            <a:r>
-              <a:rPr lang="en-US" sz="2000" dirty="0" smtClean="0">
-                <a:ea typeface="Arial Unicode MS" panose="020B0604020202020204" pitchFamily="34" charset="-128"/>
-                <a:cs typeface="Arial Unicode MS" panose="020B0604020202020204" pitchFamily="34" charset="-128"/>
-              </a:rPr>
-              <a:t> </a:t>
-            </a:r>
-            <a:r>
-              <a:rPr lang="en-US" sz="2000" dirty="0" err="1" smtClean="0">
-                <a:ea typeface="Arial Unicode MS" panose="020B0604020202020204" pitchFamily="34" charset="-128"/>
-                <a:cs typeface="Arial Unicode MS" panose="020B0604020202020204" pitchFamily="34" charset="-128"/>
-              </a:rPr>
-              <a:t>o‘rganildi</a:t>
-            </a:r>
-            <a:r>
-              <a:rPr lang="en-US" sz="2000" dirty="0">
-                <a:ea typeface="Arial Unicode MS" panose="020B0604020202020204" pitchFamily="34" charset="-128"/>
-                <a:cs typeface="Arial Unicode MS" panose="020B0604020202020204" pitchFamily="34" charset="-128"/>
-              </a:rPr>
+              <a:rPr lang="en-US" dirty="0" err="1" smtClean="0"/>
+              <a:t>Ilovangiz</a:t>
+            </a:r>
+            <a:r>
+              <a:rPr lang="en-US" dirty="0" smtClean="0"/>
+              <a:t> </a:t>
+            </a:r>
+            <a:r>
+              <a:rPr lang="en-US" dirty="0" err="1" smtClean="0"/>
+              <a:t>ichiga</a:t>
+            </a:r>
+            <a:r>
+              <a:rPr lang="en-US" dirty="0" smtClean="0"/>
+              <a:t> </a:t>
+            </a:r>
+            <a:r>
+              <a:rPr lang="en-US" dirty="0" err="1" smtClean="0"/>
+              <a:t>kirib</a:t>
+            </a:r>
+            <a:r>
+              <a:rPr lang="en-US" dirty="0" smtClean="0"/>
+              <a:t> </a:t>
+            </a:r>
+            <a:r>
+              <a:rPr lang="en-US" dirty="0" err="1" smtClean="0"/>
+              <a:t>terminalga</a:t>
+            </a:r>
+            <a:r>
+              <a:rPr lang="en-US" dirty="0" smtClean="0"/>
+              <a:t> </a:t>
+            </a:r>
+            <a:r>
+              <a:rPr lang="en-US" dirty="0" err="1" smtClean="0"/>
+              <a:t>ushbu</a:t>
+            </a:r>
+            <a:r>
+              <a:rPr lang="en-US" dirty="0" smtClean="0"/>
+              <a:t> </a:t>
+            </a:r>
+            <a:r>
+              <a:rPr lang="en-US" dirty="0" err="1" smtClean="0"/>
+              <a:t>buyruqni</a:t>
+            </a:r>
+            <a:r>
+              <a:rPr lang="en-US" dirty="0" smtClean="0"/>
+              <a:t> </a:t>
+            </a:r>
+            <a:r>
+              <a:rPr lang="en-US" dirty="0" err="1" smtClean="0"/>
+              <a:t>yozasiz</a:t>
+            </a:r>
+            <a:r>
+              <a:rPr lang="en-US" dirty="0" smtClean="0"/>
+              <a:t>:</a:t>
+            </a:r>
+            <a:r>
+              <a:rPr lang="en-US" b="1" dirty="0" smtClean="0"/>
+              <a:t> composer </a:t>
+            </a:r>
+            <a:r>
+              <a:rPr lang="en-US" b="1" dirty="0"/>
+              <a:t>require </a:t>
+            </a:r>
+            <a:r>
+              <a:rPr lang="en-US" b="1" dirty="0" err="1" smtClean="0"/>
+              <a:t>napaeduhub</a:t>
+            </a:r>
+            <a:r>
+              <a:rPr lang="en-US" b="1" dirty="0" smtClean="0"/>
+              <a:t>/</a:t>
+            </a:r>
+            <a:r>
+              <a:rPr lang="en-US" b="1" dirty="0" err="1" smtClean="0"/>
+              <a:t>eskiz</a:t>
+            </a:r>
+            <a:r>
+              <a:rPr lang="en-US" b="1" dirty="0" smtClean="0"/>
+              <a:t>-</a:t>
+            </a:r>
+            <a:r>
+              <a:rPr lang="en-US" b="1" dirty="0" err="1" smtClean="0"/>
+              <a:t>sms</a:t>
+            </a:r>
+            <a:r>
+              <a:rPr lang="en-US" b="1" dirty="0" smtClean="0"/>
+              <a:t>-client </a:t>
+            </a:r>
+          </a:p>
+          <a:p>
+            <a:pPr marL="457200" indent="-457200">
+              <a:buFont typeface="+mj-lt"/>
+              <a:buAutoNum type="arabicPeriod"/>
+            </a:pPr>
+            <a:r>
+              <a:rPr lang="en-US" b="1" dirty="0" smtClean="0">
+                <a:solidFill>
+                  <a:schemeClr val="tx1"/>
+                </a:solidFill>
+              </a:rPr>
+              <a:t>app/Http/Controllers</a:t>
+            </a:r>
+            <a:r>
+              <a:rPr lang="en-US" b="1" dirty="0" smtClean="0"/>
+              <a:t>/</a:t>
+            </a:r>
+            <a:r>
+              <a:rPr lang="en-US" b="1" dirty="0" err="1" smtClean="0"/>
+              <a:t>AuthController.php</a:t>
+            </a:r>
+            <a:r>
+              <a:rPr lang="en-US" dirty="0" smtClean="0"/>
+              <a:t> </a:t>
+            </a:r>
+            <a:r>
+              <a:rPr lang="en-US" dirty="0" err="1"/>
+              <a:t>faylni</a:t>
+            </a:r>
+            <a:r>
+              <a:rPr lang="en-US" dirty="0"/>
+              <a:t> </a:t>
+            </a:r>
+            <a:r>
+              <a:rPr lang="en-US" dirty="0" err="1"/>
+              <a:t>olib</a:t>
+            </a:r>
+            <a:r>
+              <a:rPr lang="en-US" dirty="0"/>
+              <a:t> </a:t>
+            </a:r>
+            <a:r>
+              <a:rPr lang="en-US" dirty="0" err="1"/>
+              <a:t>o‘zingizning</a:t>
+            </a:r>
+            <a:r>
+              <a:rPr lang="en-US" dirty="0"/>
+              <a:t> </a:t>
+            </a:r>
+            <a:r>
+              <a:rPr lang="en-US" dirty="0" err="1"/>
+              <a:t>ilovangizning</a:t>
+            </a:r>
+            <a:r>
+              <a:rPr lang="en-US" dirty="0"/>
+              <a:t> </a:t>
+            </a:r>
+            <a:r>
+              <a:rPr lang="en-US" dirty="0" err="1"/>
+              <a:t>xuddi</a:t>
+            </a:r>
+            <a:r>
+              <a:rPr lang="en-US" dirty="0"/>
+              <a:t> </a:t>
+            </a:r>
+            <a:r>
+              <a:rPr lang="en-US" dirty="0" err="1"/>
+              <a:t>shu</a:t>
+            </a:r>
+            <a:r>
+              <a:rPr lang="en-US" dirty="0"/>
+              <a:t> </a:t>
+            </a:r>
+            <a:r>
+              <a:rPr lang="en-US" dirty="0" err="1"/>
+              <a:t>joyiga</a:t>
+            </a:r>
+            <a:r>
+              <a:rPr lang="en-US" dirty="0"/>
+              <a:t> </a:t>
+            </a:r>
+            <a:r>
+              <a:rPr lang="en-US" dirty="0" err="1"/>
+              <a:t>joylaysiz</a:t>
+            </a:r>
+            <a:r>
+              <a:rPr lang="en-US" dirty="0" smtClean="0"/>
               <a:t>.</a:t>
             </a:r>
-            <a:endParaRPr lang="en-US" sz="2000" dirty="0" smtClean="0">
-              <a:ea typeface="Arial Unicode MS" panose="020B0604020202020204" pitchFamily="34" charset="-128"/>
-              <a:cs typeface="Arial Unicode MS" panose="020B0604020202020204" pitchFamily="34" charset="-128"/>
-            </a:endParaRPr>
+          </a:p>
+          <a:p>
+            <a:pPr marL="457200" indent="-457200">
+              <a:buFont typeface="+mj-lt"/>
+              <a:buAutoNum type="arabicPeriod"/>
+            </a:pPr>
+            <a:r>
+              <a:rPr lang="en-US" b="1" dirty="0">
+                <a:solidFill>
+                  <a:schemeClr val="tx1"/>
+                </a:solidFill>
+              </a:rPr>
+              <a:t>database/migrations/2014_10_12_000000_create_users_table.php</a:t>
+            </a:r>
+            <a:r>
+              <a:rPr lang="en-US" b="1" dirty="0"/>
+              <a:t> </a:t>
+            </a:r>
+            <a:r>
+              <a:rPr lang="en-US" dirty="0" err="1" smtClean="0"/>
+              <a:t>faylni</a:t>
+            </a:r>
+            <a:r>
+              <a:rPr lang="en-US" dirty="0" smtClean="0"/>
+              <a:t> </a:t>
+            </a:r>
+            <a:r>
+              <a:rPr lang="en-US" dirty="0" err="1" smtClean="0"/>
+              <a:t>olib</a:t>
+            </a:r>
+            <a:r>
+              <a:rPr lang="en-US" dirty="0"/>
+              <a:t> </a:t>
+            </a:r>
+            <a:r>
+              <a:rPr lang="en-US" dirty="0" err="1" smtClean="0"/>
+              <a:t>o‘zingizning</a:t>
+            </a:r>
+            <a:r>
+              <a:rPr lang="en-US" dirty="0" smtClean="0"/>
+              <a:t> </a:t>
+            </a:r>
+            <a:r>
+              <a:rPr lang="en-US" dirty="0" err="1" smtClean="0"/>
+              <a:t>ilovangizning</a:t>
+            </a:r>
+            <a:r>
+              <a:rPr lang="en-US" dirty="0" smtClean="0"/>
+              <a:t> </a:t>
+            </a:r>
+            <a:r>
+              <a:rPr lang="en-US" dirty="0" err="1" smtClean="0"/>
+              <a:t>xuddi</a:t>
+            </a:r>
+            <a:r>
+              <a:rPr lang="en-US" dirty="0" smtClean="0"/>
+              <a:t> </a:t>
+            </a:r>
+            <a:r>
+              <a:rPr lang="en-US" dirty="0" err="1" smtClean="0"/>
+              <a:t>shu</a:t>
+            </a:r>
+            <a:r>
+              <a:rPr lang="en-US" dirty="0" smtClean="0"/>
+              <a:t> </a:t>
+            </a:r>
+            <a:r>
+              <a:rPr lang="en-US" dirty="0" err="1" smtClean="0"/>
+              <a:t>joyiga</a:t>
+            </a:r>
+            <a:r>
+              <a:rPr lang="en-US" dirty="0" smtClean="0"/>
+              <a:t> </a:t>
+            </a:r>
+            <a:r>
+              <a:rPr lang="en-US" dirty="0" err="1" smtClean="0"/>
+              <a:t>joylaysiz</a:t>
+            </a:r>
+            <a:r>
+              <a:rPr lang="en-US" dirty="0" smtClean="0"/>
+              <a:t>.</a:t>
+            </a:r>
+          </a:p>
+          <a:p>
+            <a:pPr marL="457200" indent="-457200">
+              <a:buFont typeface="+mj-lt"/>
+              <a:buAutoNum type="arabicPeriod"/>
+            </a:pPr>
+            <a:r>
+              <a:rPr lang="en-US" b="1" dirty="0" smtClean="0"/>
+              <a:t>routes/</a:t>
+            </a:r>
+            <a:r>
+              <a:rPr lang="en-US" b="1" dirty="0" err="1" smtClean="0"/>
+              <a:t>web.php</a:t>
+            </a:r>
+            <a:r>
+              <a:rPr lang="en-US" b="1" dirty="0" smtClean="0"/>
+              <a:t> </a:t>
+            </a:r>
+            <a:r>
+              <a:rPr lang="en-US" dirty="0" err="1" smtClean="0"/>
+              <a:t>faylni</a:t>
+            </a:r>
+            <a:r>
+              <a:rPr lang="en-US" dirty="0" smtClean="0"/>
+              <a:t> </a:t>
+            </a:r>
+            <a:r>
+              <a:rPr lang="en-US" dirty="0" err="1" smtClean="0"/>
+              <a:t>olib</a:t>
+            </a:r>
+            <a:r>
+              <a:rPr lang="en-US" dirty="0" smtClean="0"/>
+              <a:t> </a:t>
+            </a:r>
+            <a:r>
+              <a:rPr lang="en-US" dirty="0" err="1" smtClean="0"/>
+              <a:t>o‘zingizning</a:t>
+            </a:r>
+            <a:r>
+              <a:rPr lang="en-US" dirty="0" smtClean="0"/>
+              <a:t> </a:t>
+            </a:r>
+            <a:r>
+              <a:rPr lang="en-US" dirty="0" err="1" smtClean="0"/>
+              <a:t>ilovangizning</a:t>
+            </a:r>
+            <a:r>
+              <a:rPr lang="en-US" dirty="0" smtClean="0"/>
+              <a:t> </a:t>
+            </a:r>
+            <a:r>
+              <a:rPr lang="en-US" dirty="0" err="1" smtClean="0"/>
+              <a:t>xuddi</a:t>
+            </a:r>
+            <a:r>
+              <a:rPr lang="en-US" dirty="0" smtClean="0"/>
+              <a:t> </a:t>
+            </a:r>
+            <a:r>
+              <a:rPr lang="en-US" dirty="0" err="1" smtClean="0"/>
+              <a:t>shu</a:t>
+            </a:r>
+            <a:r>
+              <a:rPr lang="en-US" dirty="0" smtClean="0"/>
+              <a:t> </a:t>
+            </a:r>
+            <a:r>
+              <a:rPr lang="en-US" dirty="0" err="1" smtClean="0"/>
+              <a:t>joyiga</a:t>
+            </a:r>
+            <a:r>
+              <a:rPr lang="en-US" dirty="0" smtClean="0"/>
+              <a:t> </a:t>
+            </a:r>
+            <a:r>
+              <a:rPr lang="en-US" dirty="0" err="1" smtClean="0"/>
+              <a:t>joylaysiz</a:t>
+            </a:r>
+            <a:r>
+              <a:rPr lang="en-US" dirty="0" smtClean="0"/>
+              <a:t>.</a:t>
+            </a:r>
+            <a:endParaRPr lang="en-US" b="1" dirty="0" smtClean="0"/>
+          </a:p>
+          <a:p>
+            <a:pPr marL="457200" indent="-457200">
+              <a:buFont typeface="+mj-lt"/>
+              <a:buAutoNum type="arabicPeriod"/>
+            </a:pPr>
+            <a:r>
+              <a:rPr lang="en-US" b="1" dirty="0" smtClean="0"/>
+              <a:t>resources/views/</a:t>
+            </a:r>
+            <a:r>
+              <a:rPr lang="en-US" b="1" dirty="0" err="1" smtClean="0"/>
+              <a:t>auth</a:t>
+            </a:r>
+            <a:r>
+              <a:rPr lang="en-US" b="1" dirty="0" smtClean="0"/>
+              <a:t> </a:t>
+            </a:r>
+            <a:r>
+              <a:rPr lang="en-US" dirty="0" err="1"/>
+              <a:t>faylni</a:t>
+            </a:r>
+            <a:r>
+              <a:rPr lang="en-US" dirty="0"/>
+              <a:t> </a:t>
+            </a:r>
+            <a:r>
+              <a:rPr lang="en-US" dirty="0" err="1"/>
+              <a:t>olib</a:t>
+            </a:r>
+            <a:r>
+              <a:rPr lang="en-US" dirty="0"/>
+              <a:t> </a:t>
+            </a:r>
+            <a:r>
+              <a:rPr lang="en-US" dirty="0" err="1"/>
+              <a:t>o‘zingizning</a:t>
+            </a:r>
+            <a:r>
+              <a:rPr lang="en-US" dirty="0"/>
+              <a:t> </a:t>
+            </a:r>
+            <a:r>
+              <a:rPr lang="en-US" dirty="0" err="1"/>
+              <a:t>ilovangizning</a:t>
+            </a:r>
+            <a:r>
+              <a:rPr lang="en-US" dirty="0"/>
+              <a:t> </a:t>
+            </a:r>
+            <a:r>
+              <a:rPr lang="en-US" dirty="0" err="1"/>
+              <a:t>xuddi</a:t>
+            </a:r>
+            <a:r>
+              <a:rPr lang="en-US" dirty="0"/>
+              <a:t> </a:t>
+            </a:r>
+            <a:r>
+              <a:rPr lang="en-US" dirty="0" err="1"/>
+              <a:t>shu</a:t>
+            </a:r>
+            <a:r>
+              <a:rPr lang="en-US" dirty="0"/>
+              <a:t> </a:t>
+            </a:r>
+            <a:r>
+              <a:rPr lang="en-US" dirty="0" err="1"/>
+              <a:t>joyiga</a:t>
+            </a:r>
+            <a:r>
+              <a:rPr lang="en-US" dirty="0"/>
+              <a:t> </a:t>
+            </a:r>
+            <a:r>
+              <a:rPr lang="en-US" dirty="0" err="1"/>
+              <a:t>joylaysiz</a:t>
+            </a:r>
+            <a:r>
+              <a:rPr lang="en-US" dirty="0"/>
+              <a:t>.</a:t>
+            </a:r>
+            <a:endParaRPr lang="en-US" b="1" dirty="0"/>
+          </a:p>
+          <a:p>
+            <a:pPr marL="457200" indent="-457200">
+              <a:buFont typeface="+mj-lt"/>
+              <a:buAutoNum type="arabicPeriod"/>
+            </a:pPr>
+            <a:endParaRPr lang="en-US" b="1" dirty="0" smtClean="0"/>
+          </a:p>
+          <a:p>
+            <a:pPr marL="457200" indent="-457200">
+              <a:buFont typeface="+mj-lt"/>
+              <a:buAutoNum type="arabicPeriod"/>
+            </a:pPr>
+            <a:endParaRPr lang="ru-RU" dirty="0"/>
           </a:p>
         </p:txBody>
       </p:sp>
     </p:spTree>
     <p:extLst>
       <p:ext uri="{BB962C8B-B14F-4D97-AF65-F5344CB8AC3E}">
-        <p14:creationId xmlns:p14="http://schemas.microsoft.com/office/powerpoint/2010/main" val="3364467084"/>
+        <p14:creationId xmlns:p14="http://schemas.microsoft.com/office/powerpoint/2010/main" val="1418006166"/>
       </p:ext>
     </p:extLst>
   </p:cSld>
   <p:clrMapOvr>
     <a:masterClrMapping/>
   </p:clrMapOvr>
+  <mc:AlternateContent xmlns:mc="http://schemas.openxmlformats.org/markup-compatibility/2006">
+    <mc:Choice xmlns:p14="http://schemas.microsoft.com/office/powerpoint/2010/main" Requires="p14">
+      <p:transition spd="slow" p14:dur="1600">
+        <p14:gallery dir="l"/>
+      </p:transition>
+    </mc:Choice>
+    <mc:Fallback>
+      <p:transition spd="slow">
+        <p:fade/>
+      </p:transition>
+    </mc:Fallback>
+  </mc:AlternateContent>
   <p:timing>
     <p:tnLst>
       <p:par>
